--- a/sim2/makepic.pptx
+++ b/sim2/makepic.pptx
@@ -291,7 +291,7 @@
             <a:fld id="{530820CF-B880-4189-942D-D702A7CBA730}" type="datetimeFigureOut">
               <a:rPr lang="zh-CN" altLang="en-US" smtClean="0"/>
               <a:pPr/>
-              <a:t>2014/5/12</a:t>
+              <a:t>2014/5/16</a:t>
             </a:fld>
             <a:endParaRPr lang="zh-CN" altLang="en-US"/>
           </a:p>
@@ -458,7 +458,7 @@
             <a:fld id="{530820CF-B880-4189-942D-D702A7CBA730}" type="datetimeFigureOut">
               <a:rPr lang="zh-CN" altLang="en-US" smtClean="0"/>
               <a:pPr/>
-              <a:t>2014/5/12</a:t>
+              <a:t>2014/5/16</a:t>
             </a:fld>
             <a:endParaRPr lang="zh-CN" altLang="en-US"/>
           </a:p>
@@ -635,7 +635,7 @@
             <a:fld id="{530820CF-B880-4189-942D-D702A7CBA730}" type="datetimeFigureOut">
               <a:rPr lang="zh-CN" altLang="en-US" smtClean="0"/>
               <a:pPr/>
-              <a:t>2014/5/12</a:t>
+              <a:t>2014/5/16</a:t>
             </a:fld>
             <a:endParaRPr lang="zh-CN" altLang="en-US"/>
           </a:p>
@@ -802,7 +802,7 @@
             <a:fld id="{530820CF-B880-4189-942D-D702A7CBA730}" type="datetimeFigureOut">
               <a:rPr lang="zh-CN" altLang="en-US" smtClean="0"/>
               <a:pPr/>
-              <a:t>2014/5/12</a:t>
+              <a:t>2014/5/16</a:t>
             </a:fld>
             <a:endParaRPr lang="zh-CN" altLang="en-US"/>
           </a:p>
@@ -1045,7 +1045,7 @@
             <a:fld id="{530820CF-B880-4189-942D-D702A7CBA730}" type="datetimeFigureOut">
               <a:rPr lang="zh-CN" altLang="en-US" smtClean="0"/>
               <a:pPr/>
-              <a:t>2014/5/12</a:t>
+              <a:t>2014/5/16</a:t>
             </a:fld>
             <a:endParaRPr lang="zh-CN" altLang="en-US"/>
           </a:p>
@@ -1330,7 +1330,7 @@
             <a:fld id="{530820CF-B880-4189-942D-D702A7CBA730}" type="datetimeFigureOut">
               <a:rPr lang="zh-CN" altLang="en-US" smtClean="0"/>
               <a:pPr/>
-              <a:t>2014/5/12</a:t>
+              <a:t>2014/5/16</a:t>
             </a:fld>
             <a:endParaRPr lang="zh-CN" altLang="en-US"/>
           </a:p>
@@ -1749,7 +1749,7 @@
             <a:fld id="{530820CF-B880-4189-942D-D702A7CBA730}" type="datetimeFigureOut">
               <a:rPr lang="zh-CN" altLang="en-US" smtClean="0"/>
               <a:pPr/>
-              <a:t>2014/5/12</a:t>
+              <a:t>2014/5/16</a:t>
             </a:fld>
             <a:endParaRPr lang="zh-CN" altLang="en-US"/>
           </a:p>
@@ -1864,7 +1864,7 @@
             <a:fld id="{530820CF-B880-4189-942D-D702A7CBA730}" type="datetimeFigureOut">
               <a:rPr lang="zh-CN" altLang="en-US" smtClean="0"/>
               <a:pPr/>
-              <a:t>2014/5/12</a:t>
+              <a:t>2014/5/16</a:t>
             </a:fld>
             <a:endParaRPr lang="zh-CN" altLang="en-US"/>
           </a:p>
@@ -1956,7 +1956,7 @@
             <a:fld id="{530820CF-B880-4189-942D-D702A7CBA730}" type="datetimeFigureOut">
               <a:rPr lang="zh-CN" altLang="en-US" smtClean="0"/>
               <a:pPr/>
-              <a:t>2014/5/12</a:t>
+              <a:t>2014/5/16</a:t>
             </a:fld>
             <a:endParaRPr lang="zh-CN" altLang="en-US"/>
           </a:p>
@@ -2230,7 +2230,7 @@
             <a:fld id="{530820CF-B880-4189-942D-D702A7CBA730}" type="datetimeFigureOut">
               <a:rPr lang="zh-CN" altLang="en-US" smtClean="0"/>
               <a:pPr/>
-              <a:t>2014/5/12</a:t>
+              <a:t>2014/5/16</a:t>
             </a:fld>
             <a:endParaRPr lang="zh-CN" altLang="en-US"/>
           </a:p>
@@ -2480,7 +2480,7 @@
             <a:fld id="{530820CF-B880-4189-942D-D702A7CBA730}" type="datetimeFigureOut">
               <a:rPr lang="zh-CN" altLang="en-US" smtClean="0"/>
               <a:pPr/>
-              <a:t>2014/5/12</a:t>
+              <a:t>2014/5/16</a:t>
             </a:fld>
             <a:endParaRPr lang="zh-CN" altLang="en-US"/>
           </a:p>
@@ -2690,7 +2690,7 @@
             <a:fld id="{530820CF-B880-4189-942D-D702A7CBA730}" type="datetimeFigureOut">
               <a:rPr lang="zh-CN" altLang="en-US" smtClean="0"/>
               <a:pPr/>
-              <a:t>2014/5/12</a:t>
+              <a:t>2014/5/16</a:t>
             </a:fld>
             <a:endParaRPr lang="zh-CN" altLang="en-US"/>
           </a:p>

--- a/sim2/makepic.pptx
+++ b/sim2/makepic.pptx
@@ -291,7 +291,7 @@
             <a:fld id="{530820CF-B880-4189-942D-D702A7CBA730}" type="datetimeFigureOut">
               <a:rPr lang="zh-CN" altLang="en-US" smtClean="0"/>
               <a:pPr/>
-              <a:t>2014/5/16</a:t>
+              <a:t>2014/5/22</a:t>
             </a:fld>
             <a:endParaRPr lang="zh-CN" altLang="en-US"/>
           </a:p>
@@ -458,7 +458,7 @@
             <a:fld id="{530820CF-B880-4189-942D-D702A7CBA730}" type="datetimeFigureOut">
               <a:rPr lang="zh-CN" altLang="en-US" smtClean="0"/>
               <a:pPr/>
-              <a:t>2014/5/16</a:t>
+              <a:t>2014/5/22</a:t>
             </a:fld>
             <a:endParaRPr lang="zh-CN" altLang="en-US"/>
           </a:p>
@@ -635,7 +635,7 @@
             <a:fld id="{530820CF-B880-4189-942D-D702A7CBA730}" type="datetimeFigureOut">
               <a:rPr lang="zh-CN" altLang="en-US" smtClean="0"/>
               <a:pPr/>
-              <a:t>2014/5/16</a:t>
+              <a:t>2014/5/22</a:t>
             </a:fld>
             <a:endParaRPr lang="zh-CN" altLang="en-US"/>
           </a:p>
@@ -802,7 +802,7 @@
             <a:fld id="{530820CF-B880-4189-942D-D702A7CBA730}" type="datetimeFigureOut">
               <a:rPr lang="zh-CN" altLang="en-US" smtClean="0"/>
               <a:pPr/>
-              <a:t>2014/5/16</a:t>
+              <a:t>2014/5/22</a:t>
             </a:fld>
             <a:endParaRPr lang="zh-CN" altLang="en-US"/>
           </a:p>
@@ -1045,7 +1045,7 @@
             <a:fld id="{530820CF-B880-4189-942D-D702A7CBA730}" type="datetimeFigureOut">
               <a:rPr lang="zh-CN" altLang="en-US" smtClean="0"/>
               <a:pPr/>
-              <a:t>2014/5/16</a:t>
+              <a:t>2014/5/22</a:t>
             </a:fld>
             <a:endParaRPr lang="zh-CN" altLang="en-US"/>
           </a:p>
@@ -1330,7 +1330,7 @@
             <a:fld id="{530820CF-B880-4189-942D-D702A7CBA730}" type="datetimeFigureOut">
               <a:rPr lang="zh-CN" altLang="en-US" smtClean="0"/>
               <a:pPr/>
-              <a:t>2014/5/16</a:t>
+              <a:t>2014/5/22</a:t>
             </a:fld>
             <a:endParaRPr lang="zh-CN" altLang="en-US"/>
           </a:p>
@@ -1749,7 +1749,7 @@
             <a:fld id="{530820CF-B880-4189-942D-D702A7CBA730}" type="datetimeFigureOut">
               <a:rPr lang="zh-CN" altLang="en-US" smtClean="0"/>
               <a:pPr/>
-              <a:t>2014/5/16</a:t>
+              <a:t>2014/5/22</a:t>
             </a:fld>
             <a:endParaRPr lang="zh-CN" altLang="en-US"/>
           </a:p>
@@ -1864,7 +1864,7 @@
             <a:fld id="{530820CF-B880-4189-942D-D702A7CBA730}" type="datetimeFigureOut">
               <a:rPr lang="zh-CN" altLang="en-US" smtClean="0"/>
               <a:pPr/>
-              <a:t>2014/5/16</a:t>
+              <a:t>2014/5/22</a:t>
             </a:fld>
             <a:endParaRPr lang="zh-CN" altLang="en-US"/>
           </a:p>
@@ -1956,7 +1956,7 @@
             <a:fld id="{530820CF-B880-4189-942D-D702A7CBA730}" type="datetimeFigureOut">
               <a:rPr lang="zh-CN" altLang="en-US" smtClean="0"/>
               <a:pPr/>
-              <a:t>2014/5/16</a:t>
+              <a:t>2014/5/22</a:t>
             </a:fld>
             <a:endParaRPr lang="zh-CN" altLang="en-US"/>
           </a:p>
@@ -2230,7 +2230,7 @@
             <a:fld id="{530820CF-B880-4189-942D-D702A7CBA730}" type="datetimeFigureOut">
               <a:rPr lang="zh-CN" altLang="en-US" smtClean="0"/>
               <a:pPr/>
-              <a:t>2014/5/16</a:t>
+              <a:t>2014/5/22</a:t>
             </a:fld>
             <a:endParaRPr lang="zh-CN" altLang="en-US"/>
           </a:p>
@@ -2480,7 +2480,7 @@
             <a:fld id="{530820CF-B880-4189-942D-D702A7CBA730}" type="datetimeFigureOut">
               <a:rPr lang="zh-CN" altLang="en-US" smtClean="0"/>
               <a:pPr/>
-              <a:t>2014/5/16</a:t>
+              <a:t>2014/5/22</a:t>
             </a:fld>
             <a:endParaRPr lang="zh-CN" altLang="en-US"/>
           </a:p>
@@ -2690,7 +2690,7 @@
             <a:fld id="{530820CF-B880-4189-942D-D702A7CBA730}" type="datetimeFigureOut">
               <a:rPr lang="zh-CN" altLang="en-US" smtClean="0"/>
               <a:pPr/>
-              <a:t>2014/5/16</a:t>
+              <a:t>2014/5/22</a:t>
             </a:fld>
             <a:endParaRPr lang="zh-CN" altLang="en-US"/>
           </a:p>
@@ -4699,7 +4699,7 @@
           <a:noFill/>
           <a:ln w="38100">
             <a:solidFill>
-              <a:srgbClr val="FF0000"/>
+              <a:schemeClr val="tx1"/>
             </a:solidFill>
           </a:ln>
         </p:spPr>
@@ -4745,7 +4745,7 @@
           <a:noFill/>
           <a:ln w="38100">
             <a:solidFill>
-              <a:srgbClr val="FF0000"/>
+              <a:schemeClr val="tx1"/>
             </a:solidFill>
           </a:ln>
         </p:spPr>
@@ -4791,7 +4791,7 @@
           <a:noFill/>
           <a:ln w="38100">
             <a:solidFill>
-              <a:srgbClr val="FF0000"/>
+              <a:schemeClr val="tx1"/>
             </a:solidFill>
           </a:ln>
         </p:spPr>
@@ -4837,7 +4837,7 @@
           <a:noFill/>
           <a:ln w="38100">
             <a:solidFill>
-              <a:srgbClr val="FF0000"/>
+              <a:schemeClr val="tx1"/>
             </a:solidFill>
           </a:ln>
         </p:spPr>
@@ -4883,7 +4883,7 @@
           <a:noFill/>
           <a:ln w="38100">
             <a:solidFill>
-              <a:srgbClr val="FF0000"/>
+              <a:schemeClr val="tx1"/>
             </a:solidFill>
           </a:ln>
         </p:spPr>
@@ -4929,7 +4929,7 @@
           <a:noFill/>
           <a:ln w="38100">
             <a:solidFill>
-              <a:srgbClr val="FF0000"/>
+              <a:schemeClr val="tx1"/>
             </a:solidFill>
           </a:ln>
         </p:spPr>
@@ -4967,7 +4967,7 @@
         <p:spPr>
           <a:xfrm>
             <a:off x="1661964" y="3789040"/>
-            <a:ext cx="351656" cy="432048"/>
+            <a:ext cx="461764" cy="432048"/>
           </a:xfrm>
           <a:prstGeom prst="rect">
             <a:avLst/>
@@ -4975,7 +4975,7 @@
           <a:noFill/>
           <a:ln w="38100">
             <a:solidFill>
-              <a:srgbClr val="FF0000"/>
+              <a:schemeClr val="tx1"/>
             </a:solidFill>
           </a:ln>
         </p:spPr>
@@ -5012,8 +5012,8 @@
         </p:nvSpPr>
         <p:spPr>
           <a:xfrm>
-            <a:off x="2551460" y="3789040"/>
-            <a:ext cx="351656" cy="432048"/>
+            <a:off x="2483768" y="3789040"/>
+            <a:ext cx="504056" cy="432048"/>
           </a:xfrm>
           <a:prstGeom prst="rect">
             <a:avLst/>
@@ -5021,7 +5021,7 @@
           <a:noFill/>
           <a:ln w="38100">
             <a:solidFill>
-              <a:srgbClr val="FF0000"/>
+              <a:schemeClr val="tx1"/>
             </a:solidFill>
           </a:ln>
         </p:spPr>
@@ -5058,8 +5058,8 @@
         </p:nvSpPr>
         <p:spPr>
           <a:xfrm>
-            <a:off x="3428256" y="3789040"/>
-            <a:ext cx="351656" cy="432048"/>
+            <a:off x="3347864" y="3789040"/>
+            <a:ext cx="504056" cy="432048"/>
           </a:xfrm>
           <a:prstGeom prst="rect">
             <a:avLst/>
@@ -5067,7 +5067,7 @@
           <a:noFill/>
           <a:ln w="38100">
             <a:solidFill>
-              <a:srgbClr val="FF0000"/>
+              <a:schemeClr val="tx1"/>
             </a:solidFill>
           </a:ln>
         </p:spPr>
@@ -5113,7 +5113,7 @@
           <a:noFill/>
           <a:ln w="38100">
             <a:solidFill>
-              <a:srgbClr val="FF0000"/>
+              <a:schemeClr val="tx1"/>
             </a:solidFill>
           </a:ln>
         </p:spPr>
@@ -5159,7 +5159,7 @@
           <a:noFill/>
           <a:ln w="38100">
             <a:solidFill>
-              <a:srgbClr val="FF0000"/>
+              <a:schemeClr val="tx1"/>
             </a:solidFill>
           </a:ln>
         </p:spPr>
@@ -5205,7 +5205,7 @@
           <a:noFill/>
           <a:ln w="38100">
             <a:solidFill>
-              <a:srgbClr val="FF0000"/>
+              <a:schemeClr val="tx1"/>
             </a:solidFill>
           </a:ln>
         </p:spPr>
@@ -5251,7 +5251,7 @@
           <a:noFill/>
           <a:ln w="38100">
             <a:solidFill>
-              <a:srgbClr val="FF0000"/>
+              <a:schemeClr val="tx1"/>
             </a:solidFill>
           </a:ln>
         </p:spPr>
@@ -5289,7 +5289,7 @@
         <p:spPr>
           <a:xfrm>
             <a:off x="611560" y="3789040"/>
-            <a:ext cx="504056" cy="432048"/>
+            <a:ext cx="432048" cy="432048"/>
           </a:xfrm>
           <a:prstGeom prst="rect">
             <a:avLst/>
@@ -5297,7 +5297,7 @@
           <a:noFill/>
           <a:ln w="38100">
             <a:solidFill>
-              <a:srgbClr val="FF0000"/>
+              <a:schemeClr val="tx1"/>
             </a:solidFill>
           </a:ln>
         </p:spPr>
@@ -5343,7 +5343,7 @@
           <a:noFill/>
           <a:ln w="38100">
             <a:solidFill>
-              <a:srgbClr val="FF0000"/>
+              <a:schemeClr val="tx1"/>
             </a:solidFill>
           </a:ln>
         </p:spPr>
@@ -5389,7 +5389,7 @@
           <a:noFill/>
           <a:ln w="38100">
             <a:solidFill>
-              <a:srgbClr val="FF0000"/>
+              <a:schemeClr val="tx1"/>
             </a:solidFill>
           </a:ln>
         </p:spPr>
@@ -5435,7 +5435,7 @@
           <a:noFill/>
           <a:ln w="38100">
             <a:solidFill>
-              <a:srgbClr val="FF0000"/>
+              <a:schemeClr val="tx1"/>
             </a:solidFill>
           </a:ln>
         </p:spPr>
@@ -5481,7 +5481,7 @@
           <a:noFill/>
           <a:ln w="38100">
             <a:solidFill>
-              <a:srgbClr val="FF0000"/>
+              <a:schemeClr val="tx1"/>
             </a:solidFill>
           </a:ln>
         </p:spPr>
@@ -5527,7 +5527,7 @@
           <a:noFill/>
           <a:ln w="38100">
             <a:solidFill>
-              <a:srgbClr val="FF0000"/>
+              <a:schemeClr val="tx1"/>
             </a:solidFill>
           </a:ln>
         </p:spPr>
@@ -5573,7 +5573,7 @@
           <a:noFill/>
           <a:ln w="38100">
             <a:solidFill>
-              <a:srgbClr val="FF0000"/>
+              <a:schemeClr val="tx1"/>
             </a:solidFill>
           </a:ln>
         </p:spPr>
@@ -5619,7 +5619,7 @@
           <a:noFill/>
           <a:ln w="38100">
             <a:solidFill>
-              <a:srgbClr val="FF0000"/>
+              <a:schemeClr val="tx1"/>
             </a:solidFill>
           </a:ln>
         </p:spPr>
@@ -5665,7 +5665,7 @@
           <a:noFill/>
           <a:ln w="38100">
             <a:solidFill>
-              <a:srgbClr val="FF0000"/>
+              <a:schemeClr val="tx1"/>
             </a:solidFill>
           </a:ln>
         </p:spPr>
@@ -5711,7 +5711,7 @@
           <a:noFill/>
           <a:ln w="38100">
             <a:solidFill>
-              <a:srgbClr val="FF0000"/>
+              <a:schemeClr val="tx1"/>
             </a:solidFill>
           </a:ln>
         </p:spPr>
@@ -5757,7 +5757,7 @@
           <a:noFill/>
           <a:ln w="38100">
             <a:solidFill>
-              <a:srgbClr val="FF0000"/>
+              <a:schemeClr val="tx1"/>
             </a:solidFill>
           </a:ln>
         </p:spPr>
@@ -5803,7 +5803,7 @@
           <a:noFill/>
           <a:ln w="38100">
             <a:solidFill>
-              <a:srgbClr val="FF0000"/>
+              <a:schemeClr val="tx1"/>
             </a:solidFill>
           </a:ln>
         </p:spPr>
@@ -5849,7 +5849,7 @@
           <a:noFill/>
           <a:ln w="38100">
             <a:solidFill>
-              <a:srgbClr val="FF0000"/>
+              <a:schemeClr val="tx1"/>
             </a:solidFill>
           </a:ln>
         </p:spPr>
@@ -5895,7 +5895,7 @@
           <a:noFill/>
           <a:ln w="38100">
             <a:solidFill>
-              <a:srgbClr val="FF0000"/>
+              <a:schemeClr val="tx1"/>
             </a:solidFill>
           </a:ln>
         </p:spPr>
@@ -5941,7 +5941,7 @@
           <a:noFill/>
           <a:ln w="38100">
             <a:solidFill>
-              <a:srgbClr val="FF0000"/>
+              <a:schemeClr val="tx1"/>
             </a:solidFill>
           </a:ln>
         </p:spPr>
@@ -5987,7 +5987,7 @@
           <a:noFill/>
           <a:ln w="38100">
             <a:solidFill>
-              <a:srgbClr val="FF0000"/>
+              <a:schemeClr val="tx1"/>
             </a:solidFill>
           </a:ln>
         </p:spPr>
@@ -6033,7 +6033,7 @@
           <a:noFill/>
           <a:ln w="38100">
             <a:solidFill>
-              <a:srgbClr val="FF0000"/>
+              <a:schemeClr val="tx1"/>
             </a:solidFill>
           </a:ln>
         </p:spPr>
@@ -6079,7 +6079,7 @@
           <a:noFill/>
           <a:ln w="38100">
             <a:solidFill>
-              <a:srgbClr val="FF0000"/>
+              <a:schemeClr val="tx1"/>
             </a:solidFill>
           </a:ln>
         </p:spPr>
@@ -6125,7 +6125,7 @@
           <a:noFill/>
           <a:ln w="38100">
             <a:solidFill>
-              <a:srgbClr val="FF0000"/>
+              <a:schemeClr val="tx1"/>
             </a:solidFill>
           </a:ln>
         </p:spPr>

--- a/sim2/makepic.pptx
+++ b/sim2/makepic.pptx
@@ -7,7 +7,11 @@
   <p:sldIdLst>
     <p:sldId id="256" r:id="rId2"/>
     <p:sldId id="257" r:id="rId3"/>
-    <p:sldId id="258" r:id="rId4"/>
+    <p:sldId id="259" r:id="rId4"/>
+    <p:sldId id="258" r:id="rId5"/>
+    <p:sldId id="260" r:id="rId6"/>
+    <p:sldId id="261" r:id="rId7"/>
+    <p:sldId id="262" r:id="rId8"/>
   </p:sldIdLst>
   <p:sldSz cx="9144000" cy="6858000" type="screen4x3"/>
   <p:notesSz cx="6858000" cy="9144000"/>
@@ -291,7 +295,7 @@
             <a:fld id="{530820CF-B880-4189-942D-D702A7CBA730}" type="datetimeFigureOut">
               <a:rPr lang="zh-CN" altLang="en-US" smtClean="0"/>
               <a:pPr/>
-              <a:t>2014/5/22</a:t>
+              <a:t>2014/5/25</a:t>
             </a:fld>
             <a:endParaRPr lang="zh-CN" altLang="en-US"/>
           </a:p>
@@ -458,7 +462,7 @@
             <a:fld id="{530820CF-B880-4189-942D-D702A7CBA730}" type="datetimeFigureOut">
               <a:rPr lang="zh-CN" altLang="en-US" smtClean="0"/>
               <a:pPr/>
-              <a:t>2014/5/22</a:t>
+              <a:t>2014/5/25</a:t>
             </a:fld>
             <a:endParaRPr lang="zh-CN" altLang="en-US"/>
           </a:p>
@@ -635,7 +639,7 @@
             <a:fld id="{530820CF-B880-4189-942D-D702A7CBA730}" type="datetimeFigureOut">
               <a:rPr lang="zh-CN" altLang="en-US" smtClean="0"/>
               <a:pPr/>
-              <a:t>2014/5/22</a:t>
+              <a:t>2014/5/25</a:t>
             </a:fld>
             <a:endParaRPr lang="zh-CN" altLang="en-US"/>
           </a:p>
@@ -802,7 +806,7 @@
             <a:fld id="{530820CF-B880-4189-942D-D702A7CBA730}" type="datetimeFigureOut">
               <a:rPr lang="zh-CN" altLang="en-US" smtClean="0"/>
               <a:pPr/>
-              <a:t>2014/5/22</a:t>
+              <a:t>2014/5/25</a:t>
             </a:fld>
             <a:endParaRPr lang="zh-CN" altLang="en-US"/>
           </a:p>
@@ -1045,7 +1049,7 @@
             <a:fld id="{530820CF-B880-4189-942D-D702A7CBA730}" type="datetimeFigureOut">
               <a:rPr lang="zh-CN" altLang="en-US" smtClean="0"/>
               <a:pPr/>
-              <a:t>2014/5/22</a:t>
+              <a:t>2014/5/25</a:t>
             </a:fld>
             <a:endParaRPr lang="zh-CN" altLang="en-US"/>
           </a:p>
@@ -1330,7 +1334,7 @@
             <a:fld id="{530820CF-B880-4189-942D-D702A7CBA730}" type="datetimeFigureOut">
               <a:rPr lang="zh-CN" altLang="en-US" smtClean="0"/>
               <a:pPr/>
-              <a:t>2014/5/22</a:t>
+              <a:t>2014/5/25</a:t>
             </a:fld>
             <a:endParaRPr lang="zh-CN" altLang="en-US"/>
           </a:p>
@@ -1749,7 +1753,7 @@
             <a:fld id="{530820CF-B880-4189-942D-D702A7CBA730}" type="datetimeFigureOut">
               <a:rPr lang="zh-CN" altLang="en-US" smtClean="0"/>
               <a:pPr/>
-              <a:t>2014/5/22</a:t>
+              <a:t>2014/5/25</a:t>
             </a:fld>
             <a:endParaRPr lang="zh-CN" altLang="en-US"/>
           </a:p>
@@ -1864,7 +1868,7 @@
             <a:fld id="{530820CF-B880-4189-942D-D702A7CBA730}" type="datetimeFigureOut">
               <a:rPr lang="zh-CN" altLang="en-US" smtClean="0"/>
               <a:pPr/>
-              <a:t>2014/5/22</a:t>
+              <a:t>2014/5/25</a:t>
             </a:fld>
             <a:endParaRPr lang="zh-CN" altLang="en-US"/>
           </a:p>
@@ -1956,7 +1960,7 @@
             <a:fld id="{530820CF-B880-4189-942D-D702A7CBA730}" type="datetimeFigureOut">
               <a:rPr lang="zh-CN" altLang="en-US" smtClean="0"/>
               <a:pPr/>
-              <a:t>2014/5/22</a:t>
+              <a:t>2014/5/25</a:t>
             </a:fld>
             <a:endParaRPr lang="zh-CN" altLang="en-US"/>
           </a:p>
@@ -2230,7 +2234,7 @@
             <a:fld id="{530820CF-B880-4189-942D-D702A7CBA730}" type="datetimeFigureOut">
               <a:rPr lang="zh-CN" altLang="en-US" smtClean="0"/>
               <a:pPr/>
-              <a:t>2014/5/22</a:t>
+              <a:t>2014/5/25</a:t>
             </a:fld>
             <a:endParaRPr lang="zh-CN" altLang="en-US"/>
           </a:p>
@@ -2480,7 +2484,7 @@
             <a:fld id="{530820CF-B880-4189-942D-D702A7CBA730}" type="datetimeFigureOut">
               <a:rPr lang="zh-CN" altLang="en-US" smtClean="0"/>
               <a:pPr/>
-              <a:t>2014/5/22</a:t>
+              <a:t>2014/5/25</a:t>
             </a:fld>
             <a:endParaRPr lang="zh-CN" altLang="en-US"/>
           </a:p>
@@ -2690,7 +2694,7 @@
             <a:fld id="{530820CF-B880-4189-942D-D702A7CBA730}" type="datetimeFigureOut">
               <a:rPr lang="zh-CN" altLang="en-US" smtClean="0"/>
               <a:pPr/>
-              <a:t>2014/5/22</a:t>
+              <a:t>2014/5/25</a:t>
             </a:fld>
             <a:endParaRPr lang="zh-CN" altLang="en-US"/>
           </a:p>
@@ -4682,16 +4686,714 @@
           <a:chExt cx="0" cy="0"/>
         </a:xfrm>
       </p:grpSpPr>
-      <p:sp>
-        <p:nvSpPr>
-          <p:cNvPr id="37" name="矩形 4"/>
+      <p:pic>
+        <p:nvPicPr>
+          <p:cNvPr id="4" name="图片 3" descr="campus.png"/>
+          <p:cNvPicPr>
+            <a:picLocks noChangeAspect="1"/>
+          </p:cNvPicPr>
+          <p:nvPr/>
+        </p:nvPicPr>
+        <p:blipFill>
+          <a:blip r:embed="rId2" cstate="print"/>
+          <a:stretch>
+            <a:fillRect/>
+          </a:stretch>
+        </p:blipFill>
+        <p:spPr>
+          <a:xfrm>
+            <a:off x="0" y="913968"/>
+            <a:ext cx="9144000" cy="5030064"/>
+          </a:xfrm>
+          <a:prstGeom prst="rect">
+            <a:avLst/>
+          </a:prstGeom>
+        </p:spPr>
+      </p:pic>
+      <p:grpSp>
+        <p:nvGrpSpPr>
+          <p:cNvPr id="2" name="组合 21"/>
+          <p:cNvGrpSpPr/>
+          <p:nvPr/>
+        </p:nvGrpSpPr>
+        <p:grpSpPr>
+          <a:xfrm>
+            <a:off x="166812" y="980728"/>
+            <a:ext cx="4117156" cy="3240360"/>
+            <a:chOff x="166812" y="980728"/>
+            <a:chExt cx="4117156" cy="3240360"/>
+          </a:xfrm>
+        </p:grpSpPr>
+        <p:grpSp>
+          <p:nvGrpSpPr>
+            <p:cNvPr id="3" name="组合 15"/>
+            <p:cNvGrpSpPr/>
+            <p:nvPr/>
+          </p:nvGrpSpPr>
+          <p:grpSpPr>
+            <a:xfrm>
+              <a:off x="166812" y="980728"/>
+              <a:ext cx="4117156" cy="3240360"/>
+              <a:chOff x="166812" y="980728"/>
+              <a:chExt cx="4117156" cy="3240360"/>
+            </a:xfrm>
+          </p:grpSpPr>
+          <p:sp>
+            <p:nvSpPr>
+              <p:cNvPr id="5" name="矩形 4"/>
+              <p:cNvSpPr/>
+              <p:nvPr/>
+            </p:nvSpPr>
+            <p:spPr>
+              <a:xfrm>
+                <a:off x="251520" y="980728"/>
+                <a:ext cx="864096" cy="936104"/>
+              </a:xfrm>
+              <a:prstGeom prst="rect">
+                <a:avLst/>
+              </a:prstGeom>
+              <a:noFill/>
+              <a:ln w="38100">
+                <a:solidFill>
+                  <a:srgbClr val="FF0000"/>
+                </a:solidFill>
+              </a:ln>
+            </p:spPr>
+            <p:style>
+              <a:lnRef idx="2">
+                <a:schemeClr val="accent1">
+                  <a:shade val="50000"/>
+                </a:schemeClr>
+              </a:lnRef>
+              <a:fillRef idx="1">
+                <a:schemeClr val="accent1"/>
+              </a:fillRef>
+              <a:effectRef idx="0">
+                <a:schemeClr val="accent1"/>
+              </a:effectRef>
+              <a:fontRef idx="minor">
+                <a:schemeClr val="lt1"/>
+              </a:fontRef>
+            </p:style>
+            <p:txBody>
+              <a:bodyPr rtlCol="0" anchor="ctr"/>
+              <a:lstStyle/>
+              <a:p>
+                <a:pPr algn="ctr"/>
+                <a:endParaRPr lang="zh-CN" altLang="en-US"/>
+              </a:p>
+            </p:txBody>
+          </p:sp>
+          <p:sp>
+            <p:nvSpPr>
+              <p:cNvPr id="6" name="矩形 5"/>
+              <p:cNvSpPr/>
+              <p:nvPr/>
+            </p:nvSpPr>
+            <p:spPr>
+              <a:xfrm>
+                <a:off x="721668" y="1916832"/>
+                <a:ext cx="351656" cy="648072"/>
+              </a:xfrm>
+              <a:prstGeom prst="rect">
+                <a:avLst/>
+              </a:prstGeom>
+              <a:noFill/>
+              <a:ln w="38100">
+                <a:solidFill>
+                  <a:srgbClr val="FF0000"/>
+                </a:solidFill>
+              </a:ln>
+            </p:spPr>
+            <p:style>
+              <a:lnRef idx="2">
+                <a:schemeClr val="accent1">
+                  <a:shade val="50000"/>
+                </a:schemeClr>
+              </a:lnRef>
+              <a:fillRef idx="1">
+                <a:schemeClr val="accent1"/>
+              </a:fillRef>
+              <a:effectRef idx="0">
+                <a:schemeClr val="accent1"/>
+              </a:effectRef>
+              <a:fontRef idx="minor">
+                <a:schemeClr val="lt1"/>
+              </a:fontRef>
+            </p:style>
+            <p:txBody>
+              <a:bodyPr rtlCol="0" anchor="ctr"/>
+              <a:lstStyle/>
+              <a:p>
+                <a:pPr algn="ctr"/>
+                <a:endParaRPr lang="zh-CN" altLang="en-US"/>
+              </a:p>
+            </p:txBody>
+          </p:sp>
+          <p:sp>
+            <p:nvSpPr>
+              <p:cNvPr id="8" name="矩形 7"/>
+              <p:cNvSpPr/>
+              <p:nvPr/>
+            </p:nvSpPr>
+            <p:spPr>
+              <a:xfrm>
+                <a:off x="166812" y="2539504"/>
+                <a:ext cx="4117156" cy="1249536"/>
+              </a:xfrm>
+              <a:prstGeom prst="rect">
+                <a:avLst/>
+              </a:prstGeom>
+              <a:noFill/>
+              <a:ln w="38100">
+                <a:solidFill>
+                  <a:srgbClr val="FF0000"/>
+                </a:solidFill>
+              </a:ln>
+            </p:spPr>
+            <p:style>
+              <a:lnRef idx="2">
+                <a:schemeClr val="accent1">
+                  <a:shade val="50000"/>
+                </a:schemeClr>
+              </a:lnRef>
+              <a:fillRef idx="1">
+                <a:schemeClr val="accent1"/>
+              </a:fillRef>
+              <a:effectRef idx="0">
+                <a:schemeClr val="accent1"/>
+              </a:effectRef>
+              <a:fontRef idx="minor">
+                <a:schemeClr val="lt1"/>
+              </a:fontRef>
+            </p:style>
+            <p:txBody>
+              <a:bodyPr rtlCol="0" anchor="ctr"/>
+              <a:lstStyle/>
+              <a:p>
+                <a:pPr algn="ctr"/>
+                <a:endParaRPr lang="zh-CN" altLang="en-US"/>
+              </a:p>
+            </p:txBody>
+          </p:sp>
+          <p:sp>
+            <p:nvSpPr>
+              <p:cNvPr id="9" name="矩形 8"/>
+              <p:cNvSpPr/>
+              <p:nvPr/>
+            </p:nvSpPr>
+            <p:spPr>
+              <a:xfrm>
+                <a:off x="1678980" y="2098948"/>
+                <a:ext cx="351656" cy="432048"/>
+              </a:xfrm>
+              <a:prstGeom prst="rect">
+                <a:avLst/>
+              </a:prstGeom>
+              <a:noFill/>
+              <a:ln w="38100">
+                <a:solidFill>
+                  <a:srgbClr val="FF0000"/>
+                </a:solidFill>
+              </a:ln>
+            </p:spPr>
+            <p:style>
+              <a:lnRef idx="2">
+                <a:schemeClr val="accent1">
+                  <a:shade val="50000"/>
+                </a:schemeClr>
+              </a:lnRef>
+              <a:fillRef idx="1">
+                <a:schemeClr val="accent1"/>
+              </a:fillRef>
+              <a:effectRef idx="0">
+                <a:schemeClr val="accent1"/>
+              </a:effectRef>
+              <a:fontRef idx="minor">
+                <a:schemeClr val="lt1"/>
+              </a:fontRef>
+            </p:style>
+            <p:txBody>
+              <a:bodyPr rtlCol="0" anchor="ctr"/>
+              <a:lstStyle/>
+              <a:p>
+                <a:pPr algn="ctr"/>
+                <a:endParaRPr lang="zh-CN" altLang="en-US"/>
+              </a:p>
+            </p:txBody>
+          </p:sp>
+          <p:sp>
+            <p:nvSpPr>
+              <p:cNvPr id="10" name="矩形 9"/>
+              <p:cNvSpPr/>
+              <p:nvPr/>
+            </p:nvSpPr>
+            <p:spPr>
+              <a:xfrm>
+                <a:off x="2551460" y="2098948"/>
+                <a:ext cx="351656" cy="432048"/>
+              </a:xfrm>
+              <a:prstGeom prst="rect">
+                <a:avLst/>
+              </a:prstGeom>
+              <a:noFill/>
+              <a:ln w="38100">
+                <a:solidFill>
+                  <a:srgbClr val="FF0000"/>
+                </a:solidFill>
+              </a:ln>
+            </p:spPr>
+            <p:style>
+              <a:lnRef idx="2">
+                <a:schemeClr val="accent1">
+                  <a:shade val="50000"/>
+                </a:schemeClr>
+              </a:lnRef>
+              <a:fillRef idx="1">
+                <a:schemeClr val="accent1"/>
+              </a:fillRef>
+              <a:effectRef idx="0">
+                <a:schemeClr val="accent1"/>
+              </a:effectRef>
+              <a:fontRef idx="minor">
+                <a:schemeClr val="lt1"/>
+              </a:fontRef>
+            </p:style>
+            <p:txBody>
+              <a:bodyPr rtlCol="0" anchor="ctr"/>
+              <a:lstStyle/>
+              <a:p>
+                <a:pPr algn="ctr"/>
+                <a:endParaRPr lang="zh-CN" altLang="en-US"/>
+              </a:p>
+            </p:txBody>
+          </p:sp>
+          <p:sp>
+            <p:nvSpPr>
+              <p:cNvPr id="11" name="矩形 10"/>
+              <p:cNvSpPr/>
+              <p:nvPr/>
+            </p:nvSpPr>
+            <p:spPr>
+              <a:xfrm>
+                <a:off x="3445272" y="2111648"/>
+                <a:ext cx="351656" cy="432048"/>
+              </a:xfrm>
+              <a:prstGeom prst="rect">
+                <a:avLst/>
+              </a:prstGeom>
+              <a:noFill/>
+              <a:ln w="38100">
+                <a:solidFill>
+                  <a:srgbClr val="FF0000"/>
+                </a:solidFill>
+              </a:ln>
+            </p:spPr>
+            <p:style>
+              <a:lnRef idx="2">
+                <a:schemeClr val="accent1">
+                  <a:shade val="50000"/>
+                </a:schemeClr>
+              </a:lnRef>
+              <a:fillRef idx="1">
+                <a:schemeClr val="accent1"/>
+              </a:fillRef>
+              <a:effectRef idx="0">
+                <a:schemeClr val="accent1"/>
+              </a:effectRef>
+              <a:fontRef idx="minor">
+                <a:schemeClr val="lt1"/>
+              </a:fontRef>
+            </p:style>
+            <p:txBody>
+              <a:bodyPr rtlCol="0" anchor="ctr"/>
+              <a:lstStyle/>
+              <a:p>
+                <a:pPr algn="ctr"/>
+                <a:endParaRPr lang="zh-CN" altLang="en-US"/>
+              </a:p>
+            </p:txBody>
+          </p:sp>
+          <p:sp>
+            <p:nvSpPr>
+              <p:cNvPr id="12" name="矩形 11"/>
+              <p:cNvSpPr/>
+              <p:nvPr/>
+            </p:nvSpPr>
+            <p:spPr>
+              <a:xfrm>
+                <a:off x="1661964" y="3789040"/>
+                <a:ext cx="351656" cy="432048"/>
+              </a:xfrm>
+              <a:prstGeom prst="rect">
+                <a:avLst/>
+              </a:prstGeom>
+              <a:noFill/>
+              <a:ln w="38100">
+                <a:solidFill>
+                  <a:srgbClr val="FF0000"/>
+                </a:solidFill>
+              </a:ln>
+            </p:spPr>
+            <p:style>
+              <a:lnRef idx="2">
+                <a:schemeClr val="accent1">
+                  <a:shade val="50000"/>
+                </a:schemeClr>
+              </a:lnRef>
+              <a:fillRef idx="1">
+                <a:schemeClr val="accent1"/>
+              </a:fillRef>
+              <a:effectRef idx="0">
+                <a:schemeClr val="accent1"/>
+              </a:effectRef>
+              <a:fontRef idx="minor">
+                <a:schemeClr val="lt1"/>
+              </a:fontRef>
+            </p:style>
+            <p:txBody>
+              <a:bodyPr rtlCol="0" anchor="ctr"/>
+              <a:lstStyle/>
+              <a:p>
+                <a:pPr algn="ctr"/>
+                <a:endParaRPr lang="zh-CN" altLang="en-US"/>
+              </a:p>
+            </p:txBody>
+          </p:sp>
+          <p:sp>
+            <p:nvSpPr>
+              <p:cNvPr id="13" name="矩形 12"/>
+              <p:cNvSpPr/>
+              <p:nvPr/>
+            </p:nvSpPr>
+            <p:spPr>
+              <a:xfrm>
+                <a:off x="2551460" y="3789040"/>
+                <a:ext cx="351656" cy="432048"/>
+              </a:xfrm>
+              <a:prstGeom prst="rect">
+                <a:avLst/>
+              </a:prstGeom>
+              <a:noFill/>
+              <a:ln w="38100">
+                <a:solidFill>
+                  <a:srgbClr val="FF0000"/>
+                </a:solidFill>
+              </a:ln>
+            </p:spPr>
+            <p:style>
+              <a:lnRef idx="2">
+                <a:schemeClr val="accent1">
+                  <a:shade val="50000"/>
+                </a:schemeClr>
+              </a:lnRef>
+              <a:fillRef idx="1">
+                <a:schemeClr val="accent1"/>
+              </a:fillRef>
+              <a:effectRef idx="0">
+                <a:schemeClr val="accent1"/>
+              </a:effectRef>
+              <a:fontRef idx="minor">
+                <a:schemeClr val="lt1"/>
+              </a:fontRef>
+            </p:style>
+            <p:txBody>
+              <a:bodyPr rtlCol="0" anchor="ctr"/>
+              <a:lstStyle/>
+              <a:p>
+                <a:pPr algn="ctr"/>
+                <a:endParaRPr lang="zh-CN" altLang="en-US"/>
+              </a:p>
+            </p:txBody>
+          </p:sp>
+          <p:sp>
+            <p:nvSpPr>
+              <p:cNvPr id="14" name="矩形 13"/>
+              <p:cNvSpPr/>
+              <p:nvPr/>
+            </p:nvSpPr>
+            <p:spPr>
+              <a:xfrm>
+                <a:off x="3428256" y="3789040"/>
+                <a:ext cx="351656" cy="432048"/>
+              </a:xfrm>
+              <a:prstGeom prst="rect">
+                <a:avLst/>
+              </a:prstGeom>
+              <a:noFill/>
+              <a:ln w="38100">
+                <a:solidFill>
+                  <a:srgbClr val="FF0000"/>
+                </a:solidFill>
+              </a:ln>
+            </p:spPr>
+            <p:style>
+              <a:lnRef idx="2">
+                <a:schemeClr val="accent1">
+                  <a:shade val="50000"/>
+                </a:schemeClr>
+              </a:lnRef>
+              <a:fillRef idx="1">
+                <a:schemeClr val="accent1"/>
+              </a:fillRef>
+              <a:effectRef idx="0">
+                <a:schemeClr val="accent1"/>
+              </a:effectRef>
+              <a:fontRef idx="minor">
+                <a:schemeClr val="lt1"/>
+              </a:fontRef>
+            </p:style>
+            <p:txBody>
+              <a:bodyPr rtlCol="0" anchor="ctr"/>
+              <a:lstStyle/>
+              <a:p>
+                <a:pPr algn="ctr"/>
+                <a:endParaRPr lang="zh-CN" altLang="en-US"/>
+              </a:p>
+            </p:txBody>
+          </p:sp>
+        </p:grpSp>
+        <p:sp>
+          <p:nvSpPr>
+            <p:cNvPr id="17" name="矩形 16"/>
+            <p:cNvSpPr/>
+            <p:nvPr/>
+          </p:nvSpPr>
+          <p:spPr>
+            <a:xfrm>
+              <a:off x="179512" y="2924944"/>
+              <a:ext cx="576064" cy="504056"/>
+            </a:xfrm>
+            <a:prstGeom prst="rect">
+              <a:avLst/>
+            </a:prstGeom>
+            <a:noFill/>
+            <a:ln w="38100">
+              <a:solidFill>
+                <a:srgbClr val="FF0000"/>
+              </a:solidFill>
+            </a:ln>
+          </p:spPr>
+          <p:style>
+            <a:lnRef idx="2">
+              <a:schemeClr val="accent1">
+                <a:shade val="50000"/>
+              </a:schemeClr>
+            </a:lnRef>
+            <a:fillRef idx="1">
+              <a:schemeClr val="accent1"/>
+            </a:fillRef>
+            <a:effectRef idx="0">
+              <a:schemeClr val="accent1"/>
+            </a:effectRef>
+            <a:fontRef idx="minor">
+              <a:schemeClr val="lt1"/>
+            </a:fontRef>
+          </p:style>
+          <p:txBody>
+            <a:bodyPr rtlCol="0" anchor="ctr"/>
+            <a:lstStyle/>
+            <a:p>
+              <a:pPr algn="ctr"/>
+              <a:endParaRPr lang="zh-CN" altLang="en-US"/>
+            </a:p>
+          </p:txBody>
+        </p:sp>
+        <p:sp>
+          <p:nvSpPr>
+            <p:cNvPr id="18" name="矩形 17"/>
+            <p:cNvSpPr/>
+            <p:nvPr/>
+          </p:nvSpPr>
+          <p:spPr>
+            <a:xfrm>
+              <a:off x="1094408" y="2924944"/>
+              <a:ext cx="576064" cy="504056"/>
+            </a:xfrm>
+            <a:prstGeom prst="rect">
+              <a:avLst/>
+            </a:prstGeom>
+            <a:noFill/>
+            <a:ln w="38100">
+              <a:solidFill>
+                <a:srgbClr val="FF0000"/>
+              </a:solidFill>
+            </a:ln>
+          </p:spPr>
+          <p:style>
+            <a:lnRef idx="2">
+              <a:schemeClr val="accent1">
+                <a:shade val="50000"/>
+              </a:schemeClr>
+            </a:lnRef>
+            <a:fillRef idx="1">
+              <a:schemeClr val="accent1"/>
+            </a:fillRef>
+            <a:effectRef idx="0">
+              <a:schemeClr val="accent1"/>
+            </a:effectRef>
+            <a:fontRef idx="minor">
+              <a:schemeClr val="lt1"/>
+            </a:fontRef>
+          </p:style>
+          <p:txBody>
+            <a:bodyPr rtlCol="0" anchor="ctr"/>
+            <a:lstStyle/>
+            <a:p>
+              <a:pPr algn="ctr"/>
+              <a:endParaRPr lang="zh-CN" altLang="en-US"/>
+            </a:p>
+          </p:txBody>
+        </p:sp>
+        <p:sp>
+          <p:nvSpPr>
+            <p:cNvPr id="19" name="矩形 18"/>
+            <p:cNvSpPr/>
+            <p:nvPr/>
+          </p:nvSpPr>
+          <p:spPr>
+            <a:xfrm>
+              <a:off x="2005112" y="2937644"/>
+              <a:ext cx="576064" cy="504056"/>
+            </a:xfrm>
+            <a:prstGeom prst="rect">
+              <a:avLst/>
+            </a:prstGeom>
+            <a:noFill/>
+            <a:ln w="38100">
+              <a:solidFill>
+                <a:srgbClr val="FF0000"/>
+              </a:solidFill>
+            </a:ln>
+          </p:spPr>
+          <p:style>
+            <a:lnRef idx="2">
+              <a:schemeClr val="accent1">
+                <a:shade val="50000"/>
+              </a:schemeClr>
+            </a:lnRef>
+            <a:fillRef idx="1">
+              <a:schemeClr val="accent1"/>
+            </a:fillRef>
+            <a:effectRef idx="0">
+              <a:schemeClr val="accent1"/>
+            </a:effectRef>
+            <a:fontRef idx="minor">
+              <a:schemeClr val="lt1"/>
+            </a:fontRef>
+          </p:style>
+          <p:txBody>
+            <a:bodyPr rtlCol="0" anchor="ctr"/>
+            <a:lstStyle/>
+            <a:p>
+              <a:pPr algn="ctr"/>
+              <a:endParaRPr lang="zh-CN" altLang="en-US"/>
+            </a:p>
+          </p:txBody>
+        </p:sp>
+        <p:sp>
+          <p:nvSpPr>
+            <p:cNvPr id="20" name="矩形 19"/>
+            <p:cNvSpPr/>
+            <p:nvPr/>
+          </p:nvSpPr>
+          <p:spPr>
+            <a:xfrm>
+              <a:off x="2856508" y="2916436"/>
+              <a:ext cx="576064" cy="504056"/>
+            </a:xfrm>
+            <a:prstGeom prst="rect">
+              <a:avLst/>
+            </a:prstGeom>
+            <a:noFill/>
+            <a:ln w="38100">
+              <a:solidFill>
+                <a:srgbClr val="FF0000"/>
+              </a:solidFill>
+            </a:ln>
+          </p:spPr>
+          <p:style>
+            <a:lnRef idx="2">
+              <a:schemeClr val="accent1">
+                <a:shade val="50000"/>
+              </a:schemeClr>
+            </a:lnRef>
+            <a:fillRef idx="1">
+              <a:schemeClr val="accent1"/>
+            </a:fillRef>
+            <a:effectRef idx="0">
+              <a:schemeClr val="accent1"/>
+            </a:effectRef>
+            <a:fontRef idx="minor">
+              <a:schemeClr val="lt1"/>
+            </a:fontRef>
+          </p:style>
+          <p:txBody>
+            <a:bodyPr rtlCol="0" anchor="ctr"/>
+            <a:lstStyle/>
+            <a:p>
+              <a:pPr algn="ctr"/>
+              <a:endParaRPr lang="zh-CN" altLang="en-US"/>
+            </a:p>
+          </p:txBody>
+        </p:sp>
+        <p:sp>
+          <p:nvSpPr>
+            <p:cNvPr id="21" name="矩形 20"/>
+            <p:cNvSpPr/>
+            <p:nvPr/>
+          </p:nvSpPr>
+          <p:spPr>
+            <a:xfrm>
+              <a:off x="611560" y="3789040"/>
+              <a:ext cx="504056" cy="432048"/>
+            </a:xfrm>
+            <a:prstGeom prst="rect">
+              <a:avLst/>
+            </a:prstGeom>
+            <a:noFill/>
+            <a:ln w="38100">
+              <a:solidFill>
+                <a:srgbClr val="FF0000"/>
+              </a:solidFill>
+            </a:ln>
+          </p:spPr>
+          <p:style>
+            <a:lnRef idx="2">
+              <a:schemeClr val="accent1">
+                <a:shade val="50000"/>
+              </a:schemeClr>
+            </a:lnRef>
+            <a:fillRef idx="1">
+              <a:schemeClr val="accent1"/>
+            </a:fillRef>
+            <a:effectRef idx="0">
+              <a:schemeClr val="accent1"/>
+            </a:effectRef>
+            <a:fontRef idx="minor">
+              <a:schemeClr val="lt1"/>
+            </a:fontRef>
+          </p:style>
+          <p:txBody>
+            <a:bodyPr rtlCol="0" anchor="ctr"/>
+            <a:lstStyle/>
+            <a:p>
+              <a:pPr algn="ctr"/>
+              <a:endParaRPr lang="zh-CN" altLang="en-US"/>
+            </a:p>
+          </p:txBody>
+        </p:sp>
+      </p:grpSp>
+      <p:sp>
+        <p:nvSpPr>
+          <p:cNvPr id="23" name="矩形 22"/>
           <p:cNvSpPr/>
           <p:nvPr/>
         </p:nvSpPr>
         <p:spPr>
-          <a:xfrm>
-            <a:off x="251520" y="980728"/>
-            <a:ext cx="864096" cy="936104"/>
+          <a:xfrm rot="18920393">
+            <a:off x="1668043" y="4409641"/>
+            <a:ext cx="647751" cy="608580"/>
           </a:xfrm>
           <a:prstGeom prst="rect">
             <a:avLst/>
@@ -4699,7 +5401,7 @@
           <a:noFill/>
           <a:ln w="38100">
             <a:solidFill>
-              <a:schemeClr val="tx1"/>
+              <a:srgbClr val="FF0000"/>
             </a:solidFill>
           </a:ln>
         </p:spPr>
@@ -4730,14 +5432,14 @@
       </p:sp>
       <p:sp>
         <p:nvSpPr>
-          <p:cNvPr id="38" name="矩形 37"/>
+          <p:cNvPr id="25" name="矩形 24"/>
           <p:cNvSpPr/>
           <p:nvPr/>
         </p:nvSpPr>
         <p:spPr>
-          <a:xfrm>
-            <a:off x="721668" y="1916832"/>
-            <a:ext cx="351656" cy="648072"/>
+          <a:xfrm rot="18920393">
+            <a:off x="2584258" y="4404825"/>
+            <a:ext cx="613565" cy="642800"/>
           </a:xfrm>
           <a:prstGeom prst="rect">
             <a:avLst/>
@@ -4745,7 +5447,7 @@
           <a:noFill/>
           <a:ln w="38100">
             <a:solidFill>
-              <a:schemeClr val="tx1"/>
+              <a:srgbClr val="FF0000"/>
             </a:solidFill>
           </a:ln>
         </p:spPr>
@@ -4776,14 +5478,14 @@
       </p:sp>
       <p:sp>
         <p:nvSpPr>
-          <p:cNvPr id="39" name="矩形 38"/>
+          <p:cNvPr id="26" name="矩形 25"/>
           <p:cNvSpPr/>
           <p:nvPr/>
         </p:nvSpPr>
         <p:spPr>
-          <a:xfrm>
-            <a:off x="166812" y="2539504"/>
-            <a:ext cx="4117156" cy="1249536"/>
+          <a:xfrm rot="18920393">
+            <a:off x="440863" y="4408558"/>
+            <a:ext cx="616725" cy="623312"/>
           </a:xfrm>
           <a:prstGeom prst="rect">
             <a:avLst/>
@@ -4791,7 +5493,7 @@
           <a:noFill/>
           <a:ln w="38100">
             <a:solidFill>
-              <a:schemeClr val="tx1"/>
+              <a:srgbClr val="FF0000"/>
             </a:solidFill>
           </a:ln>
         </p:spPr>
@@ -4822,14 +5524,14 @@
       </p:sp>
       <p:sp>
         <p:nvSpPr>
-          <p:cNvPr id="40" name="矩形 39"/>
+          <p:cNvPr id="27" name="矩形 26"/>
           <p:cNvSpPr/>
           <p:nvPr/>
         </p:nvSpPr>
         <p:spPr>
-          <a:xfrm>
-            <a:off x="1678980" y="2098948"/>
-            <a:ext cx="351656" cy="432048"/>
+          <a:xfrm rot="18920393">
+            <a:off x="3510272" y="4390241"/>
+            <a:ext cx="627297" cy="678314"/>
           </a:xfrm>
           <a:prstGeom prst="rect">
             <a:avLst/>
@@ -4837,7 +5539,7 @@
           <a:noFill/>
           <a:ln w="38100">
             <a:solidFill>
-              <a:schemeClr val="tx1"/>
+              <a:srgbClr val="FF0000"/>
             </a:solidFill>
           </a:ln>
         </p:spPr>
@@ -4868,14 +5570,14 @@
       </p:sp>
       <p:sp>
         <p:nvSpPr>
-          <p:cNvPr id="41" name="矩形 40"/>
+          <p:cNvPr id="29" name="矩形 28"/>
           <p:cNvSpPr/>
           <p:nvPr/>
         </p:nvSpPr>
         <p:spPr>
           <a:xfrm>
-            <a:off x="2551460" y="2098948"/>
-            <a:ext cx="351656" cy="432048"/>
+            <a:off x="1187624" y="3789040"/>
+            <a:ext cx="321940" cy="2160240"/>
           </a:xfrm>
           <a:prstGeom prst="rect">
             <a:avLst/>
@@ -4883,7 +5585,7 @@
           <a:noFill/>
           <a:ln w="38100">
             <a:solidFill>
-              <a:schemeClr val="tx1"/>
+              <a:srgbClr val="FF0000"/>
             </a:solidFill>
           </a:ln>
         </p:spPr>
@@ -4914,14 +5616,14 @@
       </p:sp>
       <p:sp>
         <p:nvSpPr>
-          <p:cNvPr id="42" name="矩形 41"/>
+          <p:cNvPr id="30" name="矩形 29"/>
           <p:cNvSpPr/>
           <p:nvPr/>
         </p:nvSpPr>
         <p:spPr>
           <a:xfrm>
-            <a:off x="3445272" y="2111648"/>
-            <a:ext cx="351656" cy="432048"/>
+            <a:off x="4343276" y="2564904"/>
+            <a:ext cx="1296144" cy="1224136"/>
           </a:xfrm>
           <a:prstGeom prst="rect">
             <a:avLst/>
@@ -4929,7 +5631,7 @@
           <a:noFill/>
           <a:ln w="38100">
             <a:solidFill>
-              <a:schemeClr val="tx1"/>
+              <a:srgbClr val="FF0000"/>
             </a:solidFill>
           </a:ln>
         </p:spPr>
@@ -4960,14 +5662,14 @@
       </p:sp>
       <p:sp>
         <p:nvSpPr>
-          <p:cNvPr id="43" name="矩形 42"/>
+          <p:cNvPr id="31" name="矩形 30"/>
           <p:cNvSpPr/>
           <p:nvPr/>
         </p:nvSpPr>
         <p:spPr>
           <a:xfrm>
-            <a:off x="1661964" y="3789040"/>
-            <a:ext cx="461764" cy="432048"/>
+            <a:off x="5220072" y="1988840"/>
+            <a:ext cx="423664" cy="584448"/>
           </a:xfrm>
           <a:prstGeom prst="rect">
             <a:avLst/>
@@ -4975,7 +5677,7 @@
           <a:noFill/>
           <a:ln w="38100">
             <a:solidFill>
-              <a:schemeClr val="tx1"/>
+              <a:srgbClr val="FF0000"/>
             </a:solidFill>
           </a:ln>
         </p:spPr>
@@ -5006,14 +5708,14 @@
       </p:sp>
       <p:sp>
         <p:nvSpPr>
-          <p:cNvPr id="44" name="矩形 43"/>
+          <p:cNvPr id="35" name="矩形 34"/>
           <p:cNvSpPr/>
           <p:nvPr/>
         </p:nvSpPr>
         <p:spPr>
-          <a:xfrm>
-            <a:off x="2483768" y="3789040"/>
-            <a:ext cx="504056" cy="432048"/>
+          <a:xfrm rot="19011359">
+            <a:off x="6471701" y="2336289"/>
+            <a:ext cx="1691779" cy="415920"/>
           </a:xfrm>
           <a:prstGeom prst="rect">
             <a:avLst/>
@@ -5021,7 +5723,7 @@
           <a:noFill/>
           <a:ln w="38100">
             <a:solidFill>
-              <a:schemeClr val="tx1"/>
+              <a:srgbClr val="FF0000"/>
             </a:solidFill>
           </a:ln>
         </p:spPr>
@@ -5052,14 +5754,14 @@
       </p:sp>
       <p:sp>
         <p:nvSpPr>
-          <p:cNvPr id="45" name="矩形 44"/>
+          <p:cNvPr id="36" name="矩形 35"/>
           <p:cNvSpPr/>
           <p:nvPr/>
         </p:nvSpPr>
         <p:spPr>
-          <a:xfrm>
-            <a:off x="3347864" y="3789040"/>
-            <a:ext cx="504056" cy="432048"/>
+          <a:xfrm rot="4615071">
+            <a:off x="7621136" y="1904080"/>
+            <a:ext cx="1073710" cy="570840"/>
           </a:xfrm>
           <a:prstGeom prst="rect">
             <a:avLst/>
@@ -5067,7 +5769,7 @@
           <a:noFill/>
           <a:ln w="38100">
             <a:solidFill>
-              <a:schemeClr val="tx1"/>
+              <a:srgbClr val="FF0000"/>
             </a:solidFill>
           </a:ln>
         </p:spPr>
@@ -5098,14 +5800,14 @@
       </p:sp>
       <p:sp>
         <p:nvSpPr>
-          <p:cNvPr id="32" name="矩形 31"/>
+          <p:cNvPr id="38" name="矩形 37"/>
           <p:cNvSpPr/>
           <p:nvPr/>
         </p:nvSpPr>
         <p:spPr>
-          <a:xfrm>
-            <a:off x="179512" y="2924944"/>
-            <a:ext cx="576064" cy="504056"/>
+          <a:xfrm rot="5400000">
+            <a:off x="7452321" y="4293100"/>
+            <a:ext cx="648070" cy="1944216"/>
           </a:xfrm>
           <a:prstGeom prst="rect">
             <a:avLst/>
@@ -5113,7 +5815,7 @@
           <a:noFill/>
           <a:ln w="38100">
             <a:solidFill>
-              <a:schemeClr val="tx1"/>
+              <a:srgbClr val="FF0000"/>
             </a:solidFill>
           </a:ln>
         </p:spPr>
@@ -5144,14 +5846,14 @@
       </p:sp>
       <p:sp>
         <p:nvSpPr>
-          <p:cNvPr id="33" name="矩形 32"/>
+          <p:cNvPr id="39" name="矩形 38"/>
           <p:cNvSpPr/>
           <p:nvPr/>
         </p:nvSpPr>
         <p:spPr>
-          <a:xfrm>
-            <a:off x="1094408" y="2924944"/>
-            <a:ext cx="576064" cy="504056"/>
+          <a:xfrm rot="2841884">
+            <a:off x="8166978" y="2546059"/>
+            <a:ext cx="786417" cy="570840"/>
           </a:xfrm>
           <a:prstGeom prst="rect">
             <a:avLst/>
@@ -5159,7 +5861,7 @@
           <a:noFill/>
           <a:ln w="38100">
             <a:solidFill>
-              <a:schemeClr val="tx1"/>
+              <a:srgbClr val="FF0000"/>
             </a:solidFill>
           </a:ln>
         </p:spPr>
@@ -5190,14 +5892,14 @@
       </p:sp>
       <p:sp>
         <p:nvSpPr>
-          <p:cNvPr id="34" name="矩形 33"/>
+          <p:cNvPr id="40" name="矩形 39"/>
           <p:cNvSpPr/>
           <p:nvPr/>
         </p:nvSpPr>
         <p:spPr>
-          <a:xfrm>
-            <a:off x="2005112" y="2937644"/>
-            <a:ext cx="576064" cy="504056"/>
+          <a:xfrm rot="2841884">
+            <a:off x="7268133" y="2486261"/>
+            <a:ext cx="733032" cy="1712416"/>
           </a:xfrm>
           <a:prstGeom prst="rect">
             <a:avLst/>
@@ -5205,7 +5907,7 @@
           <a:noFill/>
           <a:ln w="38100">
             <a:solidFill>
-              <a:schemeClr val="tx1"/>
+              <a:srgbClr val="FF0000"/>
             </a:solidFill>
           </a:ln>
         </p:spPr>
@@ -5236,14 +5938,14 @@
       </p:sp>
       <p:sp>
         <p:nvSpPr>
-          <p:cNvPr id="35" name="矩形 34"/>
+          <p:cNvPr id="41" name="矩形 40"/>
           <p:cNvSpPr/>
           <p:nvPr/>
         </p:nvSpPr>
         <p:spPr>
           <a:xfrm>
-            <a:off x="2856508" y="2916436"/>
-            <a:ext cx="576064" cy="504056"/>
+            <a:off x="6694140" y="3547616"/>
+            <a:ext cx="864096" cy="1321544"/>
           </a:xfrm>
           <a:prstGeom prst="rect">
             <a:avLst/>
@@ -5251,7 +5953,7 @@
           <a:noFill/>
           <a:ln w="38100">
             <a:solidFill>
-              <a:schemeClr val="tx1"/>
+              <a:srgbClr val="FF0000"/>
             </a:solidFill>
           </a:ln>
         </p:spPr>
@@ -5282,14 +5984,14 @@
       </p:sp>
       <p:sp>
         <p:nvSpPr>
-          <p:cNvPr id="36" name="矩形 35"/>
+          <p:cNvPr id="42" name="矩形 41"/>
           <p:cNvSpPr/>
           <p:nvPr/>
         </p:nvSpPr>
         <p:spPr>
           <a:xfrm>
-            <a:off x="611560" y="3789040"/>
-            <a:ext cx="432048" cy="432048"/>
+            <a:off x="3707904" y="2924944"/>
+            <a:ext cx="576064" cy="504056"/>
           </a:xfrm>
           <a:prstGeom prst="rect">
             <a:avLst/>
@@ -5297,7 +5999,7 @@
           <a:noFill/>
           <a:ln w="38100">
             <a:solidFill>
-              <a:schemeClr val="tx1"/>
+              <a:srgbClr val="FF0000"/>
             </a:solidFill>
           </a:ln>
         </p:spPr>
@@ -5328,22 +6030,24 @@
       </p:sp>
       <p:sp>
         <p:nvSpPr>
-          <p:cNvPr id="46" name="矩形 45"/>
+          <p:cNvPr id="33" name="椭圆 32"/>
           <p:cNvSpPr/>
           <p:nvPr/>
         </p:nvSpPr>
         <p:spPr>
-          <a:xfrm rot="18920393">
-            <a:off x="1668043" y="4409641"/>
-            <a:ext cx="647751" cy="608580"/>
-          </a:xfrm>
-          <a:prstGeom prst="rect">
-            <a:avLst/>
-          </a:prstGeom>
-          <a:noFill/>
-          <a:ln w="38100">
+          <a:xfrm>
+            <a:off x="573420" y="1340768"/>
+            <a:ext cx="216024" cy="216024"/>
+          </a:xfrm>
+          <a:prstGeom prst="ellipse">
+            <a:avLst/>
+          </a:prstGeom>
+          <a:solidFill>
+            <a:srgbClr val="00B050"/>
+          </a:solidFill>
+          <a:ln>
             <a:solidFill>
-              <a:schemeClr val="tx1"/>
+              <a:srgbClr val="00B050"/>
             </a:solidFill>
           </a:ln>
         </p:spPr>
@@ -5374,22 +6078,24 @@
       </p:sp>
       <p:sp>
         <p:nvSpPr>
-          <p:cNvPr id="47" name="矩形 46"/>
+          <p:cNvPr id="34" name="椭圆 33"/>
           <p:cNvSpPr/>
           <p:nvPr/>
         </p:nvSpPr>
         <p:spPr>
-          <a:xfrm rot="18920393">
-            <a:off x="2584258" y="4404825"/>
-            <a:ext cx="613565" cy="642800"/>
-          </a:xfrm>
-          <a:prstGeom prst="rect">
-            <a:avLst/>
-          </a:prstGeom>
-          <a:noFill/>
-          <a:ln w="38100">
+          <a:xfrm>
+            <a:off x="5325948" y="2187930"/>
+            <a:ext cx="216024" cy="216024"/>
+          </a:xfrm>
+          <a:prstGeom prst="ellipse">
+            <a:avLst/>
+          </a:prstGeom>
+          <a:solidFill>
+            <a:srgbClr val="00B050"/>
+          </a:solidFill>
+          <a:ln>
             <a:solidFill>
-              <a:schemeClr val="tx1"/>
+              <a:srgbClr val="00B050"/>
             </a:solidFill>
           </a:ln>
         </p:spPr>
@@ -5420,22 +6126,24 @@
       </p:sp>
       <p:sp>
         <p:nvSpPr>
-          <p:cNvPr id="48" name="矩形 47"/>
+          <p:cNvPr id="37" name="椭圆 36"/>
           <p:cNvSpPr/>
           <p:nvPr/>
         </p:nvSpPr>
         <p:spPr>
-          <a:xfrm rot="18920393">
-            <a:off x="440863" y="4408558"/>
-            <a:ext cx="616725" cy="623312"/>
-          </a:xfrm>
-          <a:prstGeom prst="rect">
-            <a:avLst/>
-          </a:prstGeom>
-          <a:noFill/>
-          <a:ln w="38100">
+          <a:xfrm>
+            <a:off x="755576" y="3894916"/>
+            <a:ext cx="216024" cy="216024"/>
+          </a:xfrm>
+          <a:prstGeom prst="ellipse">
+            <a:avLst/>
+          </a:prstGeom>
+          <a:solidFill>
+            <a:srgbClr val="00B050"/>
+          </a:solidFill>
+          <a:ln>
             <a:solidFill>
-              <a:schemeClr val="tx1"/>
+              <a:srgbClr val="00B050"/>
             </a:solidFill>
           </a:ln>
         </p:spPr>
@@ -5466,22 +6174,24 @@
       </p:sp>
       <p:sp>
         <p:nvSpPr>
-          <p:cNvPr id="49" name="矩形 48"/>
+          <p:cNvPr id="43" name="椭圆 42"/>
           <p:cNvSpPr/>
           <p:nvPr/>
         </p:nvSpPr>
         <p:spPr>
-          <a:xfrm rot="18920393">
-            <a:off x="3510272" y="4390241"/>
-            <a:ext cx="627297" cy="678314"/>
-          </a:xfrm>
-          <a:prstGeom prst="rect">
-            <a:avLst/>
-          </a:prstGeom>
-          <a:noFill/>
-          <a:ln w="38100">
+          <a:xfrm>
+            <a:off x="340462" y="3077427"/>
+            <a:ext cx="216024" cy="216024"/>
+          </a:xfrm>
+          <a:prstGeom prst="ellipse">
+            <a:avLst/>
+          </a:prstGeom>
+          <a:solidFill>
+            <a:srgbClr val="00B050"/>
+          </a:solidFill>
+          <a:ln>
             <a:solidFill>
-              <a:schemeClr val="tx1"/>
+              <a:srgbClr val="00B050"/>
             </a:solidFill>
           </a:ln>
         </p:spPr>
@@ -5512,22 +6222,24 @@
       </p:sp>
       <p:sp>
         <p:nvSpPr>
-          <p:cNvPr id="50" name="矩形 49"/>
+          <p:cNvPr id="44" name="椭圆 43"/>
           <p:cNvSpPr/>
           <p:nvPr/>
         </p:nvSpPr>
         <p:spPr>
           <a:xfrm>
-            <a:off x="1187624" y="3789040"/>
-            <a:ext cx="321940" cy="2160240"/>
-          </a:xfrm>
-          <a:prstGeom prst="rect">
-            <a:avLst/>
-          </a:prstGeom>
-          <a:noFill/>
-          <a:ln w="38100">
+            <a:off x="620027" y="4619268"/>
+            <a:ext cx="216024" cy="216024"/>
+          </a:xfrm>
+          <a:prstGeom prst="ellipse">
+            <a:avLst/>
+          </a:prstGeom>
+          <a:solidFill>
+            <a:srgbClr val="00B050"/>
+          </a:solidFill>
+          <a:ln>
             <a:solidFill>
-              <a:schemeClr val="tx1"/>
+              <a:srgbClr val="00B050"/>
             </a:solidFill>
           </a:ln>
         </p:spPr>
@@ -5558,22 +6270,24 @@
       </p:sp>
       <p:sp>
         <p:nvSpPr>
-          <p:cNvPr id="51" name="矩形 50"/>
+          <p:cNvPr id="45" name="椭圆 44"/>
           <p:cNvSpPr/>
           <p:nvPr/>
         </p:nvSpPr>
         <p:spPr>
           <a:xfrm>
-            <a:off x="4343276" y="2564904"/>
-            <a:ext cx="1296144" cy="1224136"/>
-          </a:xfrm>
-          <a:prstGeom prst="rect">
-            <a:avLst/>
-          </a:prstGeom>
-          <a:noFill/>
-          <a:ln w="38100">
+            <a:off x="1907704" y="4627735"/>
+            <a:ext cx="216024" cy="216024"/>
+          </a:xfrm>
+          <a:prstGeom prst="ellipse">
+            <a:avLst/>
+          </a:prstGeom>
+          <a:solidFill>
+            <a:srgbClr val="00B050"/>
+          </a:solidFill>
+          <a:ln>
             <a:solidFill>
-              <a:schemeClr val="tx1"/>
+              <a:srgbClr val="00B050"/>
             </a:solidFill>
           </a:ln>
         </p:spPr>
@@ -5604,22 +6318,24 @@
       </p:sp>
       <p:sp>
         <p:nvSpPr>
-          <p:cNvPr id="52" name="矩形 51"/>
+          <p:cNvPr id="46" name="椭圆 45"/>
           <p:cNvSpPr/>
           <p:nvPr/>
         </p:nvSpPr>
         <p:spPr>
           <a:xfrm>
-            <a:off x="5220072" y="1988840"/>
-            <a:ext cx="423664" cy="584448"/>
-          </a:xfrm>
-          <a:prstGeom prst="rect">
-            <a:avLst/>
-          </a:prstGeom>
-          <a:noFill/>
-          <a:ln w="38100">
+            <a:off x="2793006" y="4614996"/>
+            <a:ext cx="216024" cy="216024"/>
+          </a:xfrm>
+          <a:prstGeom prst="ellipse">
+            <a:avLst/>
+          </a:prstGeom>
+          <a:solidFill>
+            <a:srgbClr val="00B050"/>
+          </a:solidFill>
+          <a:ln>
             <a:solidFill>
-              <a:schemeClr val="tx1"/>
+              <a:srgbClr val="00B050"/>
             </a:solidFill>
           </a:ln>
         </p:spPr>
@@ -5650,22 +6366,24 @@
       </p:sp>
       <p:sp>
         <p:nvSpPr>
-          <p:cNvPr id="53" name="矩形 52"/>
+          <p:cNvPr id="47" name="椭圆 46"/>
           <p:cNvSpPr/>
           <p:nvPr/>
         </p:nvSpPr>
         <p:spPr>
           <a:xfrm>
-            <a:off x="5652120" y="3356992"/>
-            <a:ext cx="864096" cy="1368152"/>
-          </a:xfrm>
-          <a:prstGeom prst="rect">
-            <a:avLst/>
-          </a:prstGeom>
-          <a:noFill/>
-          <a:ln w="38100">
+            <a:off x="3707904" y="4636202"/>
+            <a:ext cx="216024" cy="216024"/>
+          </a:xfrm>
+          <a:prstGeom prst="ellipse">
+            <a:avLst/>
+          </a:prstGeom>
+          <a:solidFill>
+            <a:srgbClr val="00B050"/>
+          </a:solidFill>
+          <a:ln>
             <a:solidFill>
-              <a:schemeClr val="tx1"/>
+              <a:srgbClr val="00B050"/>
             </a:solidFill>
           </a:ln>
         </p:spPr>
@@ -5694,466 +6412,265 @@
           </a:p>
         </p:txBody>
       </p:sp>
-      <p:sp>
-        <p:nvSpPr>
-          <p:cNvPr id="54" name="矩形 53"/>
-          <p:cNvSpPr/>
-          <p:nvPr/>
-        </p:nvSpPr>
-        <p:spPr>
+      <p:grpSp>
+        <p:nvGrpSpPr>
+          <p:cNvPr id="78" name="组合 77"/>
+          <p:cNvGrpSpPr/>
+          <p:nvPr/>
+        </p:nvGrpSpPr>
+        <p:grpSpPr>
           <a:xfrm>
-            <a:off x="5652120" y="2132856"/>
-            <a:ext cx="1152128" cy="504056"/>
-          </a:xfrm>
-          <a:prstGeom prst="rect">
-            <a:avLst/>
-          </a:prstGeom>
-          <a:noFill/>
-          <a:ln w="38100">
+            <a:off x="2267744" y="1124744"/>
+            <a:ext cx="1800200" cy="2160240"/>
+            <a:chOff x="2339752" y="1124744"/>
+            <a:chExt cx="1656184" cy="2016224"/>
+          </a:xfrm>
+        </p:grpSpPr>
+        <p:sp>
+          <p:nvSpPr>
+            <p:cNvPr id="59" name="菱形 58"/>
+            <p:cNvSpPr/>
+            <p:nvPr/>
+          </p:nvSpPr>
+          <p:spPr>
+            <a:xfrm>
+              <a:off x="3131840" y="1124744"/>
+              <a:ext cx="288032" cy="432048"/>
+            </a:xfrm>
+            <a:prstGeom prst="diamond">
+              <a:avLst/>
+            </a:prstGeom>
             <a:solidFill>
+              <a:srgbClr val="0070C0"/>
+            </a:solidFill>
+            <a:ln>
+              <a:solidFill>
+                <a:srgbClr val="00B0F0"/>
+              </a:solidFill>
+            </a:ln>
+          </p:spPr>
+          <p:style>
+            <a:lnRef idx="2">
+              <a:schemeClr val="accent1">
+                <a:shade val="50000"/>
+              </a:schemeClr>
+            </a:lnRef>
+            <a:fillRef idx="1">
+              <a:schemeClr val="accent1"/>
+            </a:fillRef>
+            <a:effectRef idx="0">
+              <a:schemeClr val="accent1"/>
+            </a:effectRef>
+            <a:fontRef idx="minor">
+              <a:schemeClr val="lt1"/>
+            </a:fontRef>
+          </p:style>
+          <p:txBody>
+            <a:bodyPr rtlCol="0" anchor="ctr"/>
+            <a:lstStyle/>
+            <a:p>
+              <a:pPr algn="ctr"/>
+              <a:endParaRPr lang="zh-CN" altLang="en-US"/>
+            </a:p>
+          </p:txBody>
+        </p:sp>
+        <p:cxnSp>
+          <p:nvCxnSpPr>
+            <p:cNvPr id="61" name="直接连接符 60"/>
+            <p:cNvCxnSpPr>
+              <a:stCxn id="59" idx="2"/>
+            </p:cNvCxnSpPr>
+            <p:nvPr/>
+          </p:nvCxnSpPr>
+          <p:spPr>
+            <a:xfrm>
+              <a:off x="3275856" y="1556792"/>
+              <a:ext cx="720080" cy="1512168"/>
+            </a:xfrm>
+            <a:prstGeom prst="line">
+              <a:avLst/>
+            </a:prstGeom>
+            <a:ln w="34925">
+              <a:solidFill>
+                <a:srgbClr val="00B0F0"/>
+              </a:solidFill>
+              <a:prstDash val="lgDash"/>
+              <a:headEnd type="none"/>
+              <a:tailEnd type="stealth" w="sm" len="lg"/>
+            </a:ln>
+          </p:spPr>
+          <p:style>
+            <a:lnRef idx="1">
+              <a:schemeClr val="accent1"/>
+            </a:lnRef>
+            <a:fillRef idx="0">
+              <a:schemeClr val="accent1"/>
+            </a:fillRef>
+            <a:effectRef idx="0">
+              <a:schemeClr val="accent1"/>
+            </a:effectRef>
+            <a:fontRef idx="minor">
               <a:schemeClr val="tx1"/>
-            </a:solidFill>
-          </a:ln>
-        </p:spPr>
-        <p:style>
-          <a:lnRef idx="2">
-            <a:schemeClr val="accent1">
-              <a:shade val="50000"/>
-            </a:schemeClr>
-          </a:lnRef>
-          <a:fillRef idx="1">
-            <a:schemeClr val="accent1"/>
-          </a:fillRef>
-          <a:effectRef idx="0">
-            <a:schemeClr val="accent1"/>
-          </a:effectRef>
-          <a:fontRef idx="minor">
-            <a:schemeClr val="lt1"/>
-          </a:fontRef>
-        </p:style>
-        <p:txBody>
-          <a:bodyPr rtlCol="0" anchor="ctr"/>
-          <a:lstStyle/>
-          <a:p>
-            <a:pPr algn="ctr"/>
-            <a:endParaRPr lang="zh-CN" altLang="en-US"/>
-          </a:p>
-        </p:txBody>
-      </p:sp>
-      <p:sp>
-        <p:nvSpPr>
-          <p:cNvPr id="55" name="矩形 54"/>
-          <p:cNvSpPr/>
-          <p:nvPr/>
-        </p:nvSpPr>
-        <p:spPr>
-          <a:xfrm>
-            <a:off x="5652120" y="2780928"/>
-            <a:ext cx="1152128" cy="504056"/>
-          </a:xfrm>
-          <a:prstGeom prst="rect">
-            <a:avLst/>
-          </a:prstGeom>
-          <a:noFill/>
-          <a:ln w="38100">
-            <a:solidFill>
+            </a:fontRef>
+          </p:style>
+        </p:cxnSp>
+        <p:cxnSp>
+          <p:nvCxnSpPr>
+            <p:cNvPr id="63" name="直接连接符 62"/>
+            <p:cNvCxnSpPr/>
+            <p:nvPr/>
+          </p:nvCxnSpPr>
+          <p:spPr>
+            <a:xfrm flipH="1">
+              <a:off x="2699792" y="1556792"/>
+              <a:ext cx="576064" cy="792088"/>
+            </a:xfrm>
+            <a:prstGeom prst="line">
+              <a:avLst/>
+            </a:prstGeom>
+            <a:ln w="34925">
+              <a:solidFill>
+                <a:srgbClr val="00B0F0"/>
+              </a:solidFill>
+              <a:prstDash val="lgDash"/>
+              <a:headEnd type="none"/>
+              <a:tailEnd type="stealth" w="sm" len="lg"/>
+            </a:ln>
+          </p:spPr>
+          <p:style>
+            <a:lnRef idx="1">
+              <a:schemeClr val="accent1"/>
+            </a:lnRef>
+            <a:fillRef idx="0">
+              <a:schemeClr val="accent1"/>
+            </a:fillRef>
+            <a:effectRef idx="0">
+              <a:schemeClr val="accent1"/>
+            </a:effectRef>
+            <a:fontRef idx="minor">
               <a:schemeClr val="tx1"/>
-            </a:solidFill>
-          </a:ln>
-        </p:spPr>
-        <p:style>
-          <a:lnRef idx="2">
-            <a:schemeClr val="accent1">
-              <a:shade val="50000"/>
-            </a:schemeClr>
-          </a:lnRef>
-          <a:fillRef idx="1">
-            <a:schemeClr val="accent1"/>
-          </a:fillRef>
-          <a:effectRef idx="0">
-            <a:schemeClr val="accent1"/>
-          </a:effectRef>
-          <a:fontRef idx="minor">
-            <a:schemeClr val="lt1"/>
-          </a:fontRef>
-        </p:style>
-        <p:txBody>
-          <a:bodyPr rtlCol="0" anchor="ctr"/>
-          <a:lstStyle/>
-          <a:p>
-            <a:pPr algn="ctr"/>
-            <a:endParaRPr lang="zh-CN" altLang="en-US"/>
-          </a:p>
-        </p:txBody>
-      </p:sp>
-      <p:sp>
-        <p:nvSpPr>
-          <p:cNvPr id="56" name="矩形 55"/>
-          <p:cNvSpPr/>
-          <p:nvPr/>
-        </p:nvSpPr>
-        <p:spPr>
-          <a:xfrm rot="19011359">
-            <a:off x="6471701" y="2336289"/>
-            <a:ext cx="1691779" cy="415920"/>
-          </a:xfrm>
-          <a:prstGeom prst="rect">
-            <a:avLst/>
-          </a:prstGeom>
-          <a:noFill/>
-          <a:ln w="38100">
-            <a:solidFill>
+            </a:fontRef>
+          </p:style>
+        </p:cxnSp>
+        <p:cxnSp>
+          <p:nvCxnSpPr>
+            <p:cNvPr id="67" name="直接连接符 66"/>
+            <p:cNvCxnSpPr>
+              <a:stCxn id="59" idx="2"/>
+            </p:cNvCxnSpPr>
+            <p:nvPr/>
+          </p:nvCxnSpPr>
+          <p:spPr>
+            <a:xfrm>
+              <a:off x="3275856" y="1556792"/>
+              <a:ext cx="288032" cy="792088"/>
+            </a:xfrm>
+            <a:prstGeom prst="line">
+              <a:avLst/>
+            </a:prstGeom>
+            <a:ln w="34925">
+              <a:solidFill>
+                <a:srgbClr val="00B0F0"/>
+              </a:solidFill>
+              <a:prstDash val="lgDash"/>
+              <a:headEnd type="none"/>
+              <a:tailEnd type="stealth" w="sm" len="lg"/>
+            </a:ln>
+          </p:spPr>
+          <p:style>
+            <a:lnRef idx="1">
+              <a:schemeClr val="accent1"/>
+            </a:lnRef>
+            <a:fillRef idx="0">
+              <a:schemeClr val="accent1"/>
+            </a:fillRef>
+            <a:effectRef idx="0">
+              <a:schemeClr val="accent1"/>
+            </a:effectRef>
+            <a:fontRef idx="minor">
               <a:schemeClr val="tx1"/>
-            </a:solidFill>
-          </a:ln>
-        </p:spPr>
-        <p:style>
-          <a:lnRef idx="2">
-            <a:schemeClr val="accent1">
-              <a:shade val="50000"/>
-            </a:schemeClr>
-          </a:lnRef>
-          <a:fillRef idx="1">
-            <a:schemeClr val="accent1"/>
-          </a:fillRef>
-          <a:effectRef idx="0">
-            <a:schemeClr val="accent1"/>
-          </a:effectRef>
-          <a:fontRef idx="minor">
-            <a:schemeClr val="lt1"/>
-          </a:fontRef>
-        </p:style>
-        <p:txBody>
-          <a:bodyPr rtlCol="0" anchor="ctr"/>
-          <a:lstStyle/>
-          <a:p>
-            <a:pPr algn="ctr"/>
-            <a:endParaRPr lang="zh-CN" altLang="en-US"/>
-          </a:p>
-        </p:txBody>
-      </p:sp>
-      <p:sp>
-        <p:nvSpPr>
-          <p:cNvPr id="57" name="矩形 56"/>
-          <p:cNvSpPr/>
-          <p:nvPr/>
-        </p:nvSpPr>
-        <p:spPr>
-          <a:xfrm rot="4615071">
-            <a:off x="7621136" y="1904080"/>
-            <a:ext cx="1073710" cy="570840"/>
-          </a:xfrm>
-          <a:prstGeom prst="rect">
-            <a:avLst/>
-          </a:prstGeom>
-          <a:noFill/>
-          <a:ln w="38100">
-            <a:solidFill>
+            </a:fontRef>
+          </p:style>
+        </p:cxnSp>
+        <p:cxnSp>
+          <p:nvCxnSpPr>
+            <p:cNvPr id="71" name="直接连接符 70"/>
+            <p:cNvCxnSpPr>
+              <a:stCxn id="59" idx="2"/>
+            </p:cNvCxnSpPr>
+            <p:nvPr/>
+          </p:nvCxnSpPr>
+          <p:spPr>
+            <a:xfrm flipH="1">
+              <a:off x="2339752" y="1556792"/>
+              <a:ext cx="936104" cy="1584176"/>
+            </a:xfrm>
+            <a:prstGeom prst="line">
+              <a:avLst/>
+            </a:prstGeom>
+            <a:ln w="34925">
+              <a:solidFill>
+                <a:srgbClr val="00B0F0"/>
+              </a:solidFill>
+              <a:prstDash val="lgDash"/>
+              <a:headEnd type="none"/>
+              <a:tailEnd type="stealth" w="sm" len="lg"/>
+            </a:ln>
+          </p:spPr>
+          <p:style>
+            <a:lnRef idx="1">
+              <a:schemeClr val="accent1"/>
+            </a:lnRef>
+            <a:fillRef idx="0">
+              <a:schemeClr val="accent1"/>
+            </a:fillRef>
+            <a:effectRef idx="0">
+              <a:schemeClr val="accent1"/>
+            </a:effectRef>
+            <a:fontRef idx="minor">
               <a:schemeClr val="tx1"/>
-            </a:solidFill>
-          </a:ln>
-        </p:spPr>
-        <p:style>
-          <a:lnRef idx="2">
-            <a:schemeClr val="accent1">
-              <a:shade val="50000"/>
-            </a:schemeClr>
-          </a:lnRef>
-          <a:fillRef idx="1">
-            <a:schemeClr val="accent1"/>
-          </a:fillRef>
-          <a:effectRef idx="0">
-            <a:schemeClr val="accent1"/>
-          </a:effectRef>
-          <a:fontRef idx="minor">
-            <a:schemeClr val="lt1"/>
-          </a:fontRef>
-        </p:style>
-        <p:txBody>
-          <a:bodyPr rtlCol="0" anchor="ctr"/>
-          <a:lstStyle/>
-          <a:p>
-            <a:pPr algn="ctr"/>
-            <a:endParaRPr lang="zh-CN" altLang="en-US"/>
-          </a:p>
-        </p:txBody>
-      </p:sp>
-      <p:sp>
-        <p:nvSpPr>
-          <p:cNvPr id="58" name="矩形 57"/>
-          <p:cNvSpPr/>
-          <p:nvPr/>
-        </p:nvSpPr>
-        <p:spPr>
-          <a:xfrm rot="5400000">
-            <a:off x="5752436" y="4565025"/>
-            <a:ext cx="718963" cy="1379652"/>
-          </a:xfrm>
-          <a:prstGeom prst="rect">
-            <a:avLst/>
-          </a:prstGeom>
-          <a:noFill/>
-          <a:ln w="38100">
-            <a:solidFill>
+            </a:fontRef>
+          </p:style>
+        </p:cxnSp>
+        <p:cxnSp>
+          <p:nvCxnSpPr>
+            <p:cNvPr id="74" name="直接连接符 73"/>
+            <p:cNvCxnSpPr/>
+            <p:nvPr/>
+          </p:nvCxnSpPr>
+          <p:spPr>
+            <a:xfrm flipH="1">
+              <a:off x="3131840" y="1556792"/>
+              <a:ext cx="144016" cy="1584176"/>
+            </a:xfrm>
+            <a:prstGeom prst="line">
+              <a:avLst/>
+            </a:prstGeom>
+            <a:ln w="34925">
+              <a:solidFill>
+                <a:srgbClr val="00B0F0"/>
+              </a:solidFill>
+              <a:prstDash val="lgDash"/>
+              <a:headEnd type="none"/>
+              <a:tailEnd type="stealth" w="sm" len="lg"/>
+            </a:ln>
+          </p:spPr>
+          <p:style>
+            <a:lnRef idx="1">
+              <a:schemeClr val="accent1"/>
+            </a:lnRef>
+            <a:fillRef idx="0">
+              <a:schemeClr val="accent1"/>
+            </a:fillRef>
+            <a:effectRef idx="0">
+              <a:schemeClr val="accent1"/>
+            </a:effectRef>
+            <a:fontRef idx="minor">
               <a:schemeClr val="tx1"/>
-            </a:solidFill>
-          </a:ln>
-        </p:spPr>
-        <p:style>
-          <a:lnRef idx="2">
-            <a:schemeClr val="accent1">
-              <a:shade val="50000"/>
-            </a:schemeClr>
-          </a:lnRef>
-          <a:fillRef idx="1">
-            <a:schemeClr val="accent1"/>
-          </a:fillRef>
-          <a:effectRef idx="0">
-            <a:schemeClr val="accent1"/>
-          </a:effectRef>
-          <a:fontRef idx="minor">
-            <a:schemeClr val="lt1"/>
-          </a:fontRef>
-        </p:style>
-        <p:txBody>
-          <a:bodyPr rtlCol="0" anchor="ctr"/>
-          <a:lstStyle/>
-          <a:p>
-            <a:pPr algn="ctr"/>
-            <a:endParaRPr lang="zh-CN" altLang="en-US"/>
-          </a:p>
-        </p:txBody>
-      </p:sp>
-      <p:sp>
-        <p:nvSpPr>
-          <p:cNvPr id="59" name="矩形 58"/>
-          <p:cNvSpPr/>
-          <p:nvPr/>
-        </p:nvSpPr>
-        <p:spPr>
-          <a:xfrm rot="5400000">
-            <a:off x="7134592" y="4466808"/>
-            <a:ext cx="718963" cy="1379652"/>
-          </a:xfrm>
-          <a:prstGeom prst="rect">
-            <a:avLst/>
-          </a:prstGeom>
-          <a:noFill/>
-          <a:ln w="38100">
-            <a:solidFill>
-              <a:schemeClr val="tx1"/>
-            </a:solidFill>
-          </a:ln>
-        </p:spPr>
-        <p:style>
-          <a:lnRef idx="2">
-            <a:schemeClr val="accent1">
-              <a:shade val="50000"/>
-            </a:schemeClr>
-          </a:lnRef>
-          <a:fillRef idx="1">
-            <a:schemeClr val="accent1"/>
-          </a:fillRef>
-          <a:effectRef idx="0">
-            <a:schemeClr val="accent1"/>
-          </a:effectRef>
-          <a:fontRef idx="minor">
-            <a:schemeClr val="lt1"/>
-          </a:fontRef>
-        </p:style>
-        <p:txBody>
-          <a:bodyPr rtlCol="0" anchor="ctr"/>
-          <a:lstStyle/>
-          <a:p>
-            <a:pPr algn="ctr"/>
-            <a:endParaRPr lang="zh-CN" altLang="en-US"/>
-          </a:p>
-        </p:txBody>
-      </p:sp>
-      <p:sp>
-        <p:nvSpPr>
-          <p:cNvPr id="60" name="矩形 59"/>
-          <p:cNvSpPr/>
-          <p:nvPr/>
-        </p:nvSpPr>
-        <p:spPr>
-          <a:xfrm rot="2841884">
-            <a:off x="8166978" y="2546059"/>
-            <a:ext cx="786417" cy="570840"/>
-          </a:xfrm>
-          <a:prstGeom prst="rect">
-            <a:avLst/>
-          </a:prstGeom>
-          <a:noFill/>
-          <a:ln w="38100">
-            <a:solidFill>
-              <a:schemeClr val="tx1"/>
-            </a:solidFill>
-          </a:ln>
-        </p:spPr>
-        <p:style>
-          <a:lnRef idx="2">
-            <a:schemeClr val="accent1">
-              <a:shade val="50000"/>
-            </a:schemeClr>
-          </a:lnRef>
-          <a:fillRef idx="1">
-            <a:schemeClr val="accent1"/>
-          </a:fillRef>
-          <a:effectRef idx="0">
-            <a:schemeClr val="accent1"/>
-          </a:effectRef>
-          <a:fontRef idx="minor">
-            <a:schemeClr val="lt1"/>
-          </a:fontRef>
-        </p:style>
-        <p:txBody>
-          <a:bodyPr rtlCol="0" anchor="ctr"/>
-          <a:lstStyle/>
-          <a:p>
-            <a:pPr algn="ctr"/>
-            <a:endParaRPr lang="zh-CN" altLang="en-US"/>
-          </a:p>
-        </p:txBody>
-      </p:sp>
-      <p:sp>
-        <p:nvSpPr>
-          <p:cNvPr id="61" name="矩形 60"/>
-          <p:cNvSpPr/>
-          <p:nvPr/>
-        </p:nvSpPr>
-        <p:spPr>
-          <a:xfrm rot="2841884">
-            <a:off x="7268133" y="2486261"/>
-            <a:ext cx="733032" cy="1712416"/>
-          </a:xfrm>
-          <a:prstGeom prst="rect">
-            <a:avLst/>
-          </a:prstGeom>
-          <a:noFill/>
-          <a:ln w="38100">
-            <a:solidFill>
-              <a:schemeClr val="tx1"/>
-            </a:solidFill>
-          </a:ln>
-        </p:spPr>
-        <p:style>
-          <a:lnRef idx="2">
-            <a:schemeClr val="accent1">
-              <a:shade val="50000"/>
-            </a:schemeClr>
-          </a:lnRef>
-          <a:fillRef idx="1">
-            <a:schemeClr val="accent1"/>
-          </a:fillRef>
-          <a:effectRef idx="0">
-            <a:schemeClr val="accent1"/>
-          </a:effectRef>
-          <a:fontRef idx="minor">
-            <a:schemeClr val="lt1"/>
-          </a:fontRef>
-        </p:style>
-        <p:txBody>
-          <a:bodyPr rtlCol="0" anchor="ctr"/>
-          <a:lstStyle/>
-          <a:p>
-            <a:pPr algn="ctr"/>
-            <a:endParaRPr lang="zh-CN" altLang="en-US"/>
-          </a:p>
-        </p:txBody>
-      </p:sp>
-      <p:sp>
-        <p:nvSpPr>
-          <p:cNvPr id="62" name="矩形 61"/>
-          <p:cNvSpPr/>
-          <p:nvPr/>
-        </p:nvSpPr>
-        <p:spPr>
-          <a:xfrm>
-            <a:off x="6694140" y="3547616"/>
-            <a:ext cx="864096" cy="1321544"/>
-          </a:xfrm>
-          <a:prstGeom prst="rect">
-            <a:avLst/>
-          </a:prstGeom>
-          <a:noFill/>
-          <a:ln w="38100">
-            <a:solidFill>
-              <a:schemeClr val="tx1"/>
-            </a:solidFill>
-          </a:ln>
-        </p:spPr>
-        <p:style>
-          <a:lnRef idx="2">
-            <a:schemeClr val="accent1">
-              <a:shade val="50000"/>
-            </a:schemeClr>
-          </a:lnRef>
-          <a:fillRef idx="1">
-            <a:schemeClr val="accent1"/>
-          </a:fillRef>
-          <a:effectRef idx="0">
-            <a:schemeClr val="accent1"/>
-          </a:effectRef>
-          <a:fontRef idx="minor">
-            <a:schemeClr val="lt1"/>
-          </a:fontRef>
-        </p:style>
-        <p:txBody>
-          <a:bodyPr rtlCol="0" anchor="ctr"/>
-          <a:lstStyle/>
-          <a:p>
-            <a:pPr algn="ctr"/>
-            <a:endParaRPr lang="zh-CN" altLang="en-US"/>
-          </a:p>
-        </p:txBody>
-      </p:sp>
-      <p:sp>
-        <p:nvSpPr>
-          <p:cNvPr id="63" name="矩形 62"/>
-          <p:cNvSpPr/>
-          <p:nvPr/>
-        </p:nvSpPr>
-        <p:spPr>
-          <a:xfrm>
-            <a:off x="3707904" y="2924944"/>
-            <a:ext cx="576064" cy="504056"/>
-          </a:xfrm>
-          <a:prstGeom prst="rect">
-            <a:avLst/>
-          </a:prstGeom>
-          <a:noFill/>
-          <a:ln w="38100">
-            <a:solidFill>
-              <a:schemeClr val="tx1"/>
-            </a:solidFill>
-          </a:ln>
-        </p:spPr>
-        <p:style>
-          <a:lnRef idx="2">
-            <a:schemeClr val="accent1">
-              <a:shade val="50000"/>
-            </a:schemeClr>
-          </a:lnRef>
-          <a:fillRef idx="1">
-            <a:schemeClr val="accent1"/>
-          </a:fillRef>
-          <a:effectRef idx="0">
-            <a:schemeClr val="accent1"/>
-          </a:effectRef>
-          <a:fontRef idx="minor">
-            <a:schemeClr val="lt1"/>
-          </a:fontRef>
-        </p:style>
-        <p:txBody>
-          <a:bodyPr rtlCol="0" anchor="ctr"/>
-          <a:lstStyle/>
-          <a:p>
-            <a:pPr algn="ctr"/>
-            <a:endParaRPr lang="zh-CN" altLang="en-US"/>
-          </a:p>
-        </p:txBody>
-      </p:sp>
+            </a:fontRef>
+          </p:style>
+        </p:cxnSp>
+      </p:grpSp>
     </p:spTree>
   </p:cSld>
   <p:clrMapOvr>
@@ -6166,6 +6683,2934 @@
       </p:par>
     </p:tnLst>
   </p:timing>
+</p:sld>
+</file>
+
+<file path=ppt/slides/slide4.xml><?xml version="1.0" encoding="utf-8"?>
+<p:sld xmlns:a="http://schemas.openxmlformats.org/drawingml/2006/main" xmlns:r="http://schemas.openxmlformats.org/officeDocument/2006/relationships" xmlns:p="http://schemas.openxmlformats.org/presentationml/2006/main">
+  <p:cSld>
+    <p:spTree>
+      <p:nvGrpSpPr>
+        <p:cNvPr id="1" name=""/>
+        <p:cNvGrpSpPr/>
+        <p:nvPr/>
+      </p:nvGrpSpPr>
+      <p:grpSpPr>
+        <a:xfrm>
+          <a:off x="0" y="0"/>
+          <a:ext cx="0" cy="0"/>
+          <a:chOff x="0" y="0"/>
+          <a:chExt cx="0" cy="0"/>
+        </a:xfrm>
+      </p:grpSpPr>
+      <p:sp>
+        <p:nvSpPr>
+          <p:cNvPr id="37" name="矩形 4"/>
+          <p:cNvSpPr/>
+          <p:nvPr/>
+        </p:nvSpPr>
+        <p:spPr>
+          <a:xfrm>
+            <a:off x="251520" y="980728"/>
+            <a:ext cx="864096" cy="936104"/>
+          </a:xfrm>
+          <a:prstGeom prst="rect">
+            <a:avLst/>
+          </a:prstGeom>
+          <a:noFill/>
+          <a:ln w="38100">
+            <a:solidFill>
+              <a:schemeClr val="tx1"/>
+            </a:solidFill>
+          </a:ln>
+        </p:spPr>
+        <p:style>
+          <a:lnRef idx="2">
+            <a:schemeClr val="accent1">
+              <a:shade val="50000"/>
+            </a:schemeClr>
+          </a:lnRef>
+          <a:fillRef idx="1">
+            <a:schemeClr val="accent1"/>
+          </a:fillRef>
+          <a:effectRef idx="0">
+            <a:schemeClr val="accent1"/>
+          </a:effectRef>
+          <a:fontRef idx="minor">
+            <a:schemeClr val="lt1"/>
+          </a:fontRef>
+        </p:style>
+        <p:txBody>
+          <a:bodyPr rtlCol="0" anchor="ctr"/>
+          <a:lstStyle/>
+          <a:p>
+            <a:pPr algn="ctr"/>
+            <a:endParaRPr lang="zh-CN" altLang="en-US"/>
+          </a:p>
+        </p:txBody>
+      </p:sp>
+      <p:sp>
+        <p:nvSpPr>
+          <p:cNvPr id="38" name="矩形 37"/>
+          <p:cNvSpPr/>
+          <p:nvPr/>
+        </p:nvSpPr>
+        <p:spPr>
+          <a:xfrm>
+            <a:off x="721668" y="1916832"/>
+            <a:ext cx="351656" cy="648072"/>
+          </a:xfrm>
+          <a:prstGeom prst="rect">
+            <a:avLst/>
+          </a:prstGeom>
+          <a:noFill/>
+          <a:ln w="38100">
+            <a:solidFill>
+              <a:schemeClr val="tx1"/>
+            </a:solidFill>
+          </a:ln>
+        </p:spPr>
+        <p:style>
+          <a:lnRef idx="2">
+            <a:schemeClr val="accent1">
+              <a:shade val="50000"/>
+            </a:schemeClr>
+          </a:lnRef>
+          <a:fillRef idx="1">
+            <a:schemeClr val="accent1"/>
+          </a:fillRef>
+          <a:effectRef idx="0">
+            <a:schemeClr val="accent1"/>
+          </a:effectRef>
+          <a:fontRef idx="minor">
+            <a:schemeClr val="lt1"/>
+          </a:fontRef>
+        </p:style>
+        <p:txBody>
+          <a:bodyPr rtlCol="0" anchor="ctr"/>
+          <a:lstStyle/>
+          <a:p>
+            <a:pPr algn="ctr"/>
+            <a:endParaRPr lang="zh-CN" altLang="en-US"/>
+          </a:p>
+        </p:txBody>
+      </p:sp>
+      <p:sp>
+        <p:nvSpPr>
+          <p:cNvPr id="39" name="矩形 38"/>
+          <p:cNvSpPr/>
+          <p:nvPr/>
+        </p:nvSpPr>
+        <p:spPr>
+          <a:xfrm>
+            <a:off x="166812" y="2539504"/>
+            <a:ext cx="4117156" cy="1249536"/>
+          </a:xfrm>
+          <a:prstGeom prst="rect">
+            <a:avLst/>
+          </a:prstGeom>
+          <a:noFill/>
+          <a:ln w="38100">
+            <a:solidFill>
+              <a:schemeClr val="tx1"/>
+            </a:solidFill>
+          </a:ln>
+        </p:spPr>
+        <p:style>
+          <a:lnRef idx="2">
+            <a:schemeClr val="accent1">
+              <a:shade val="50000"/>
+            </a:schemeClr>
+          </a:lnRef>
+          <a:fillRef idx="1">
+            <a:schemeClr val="accent1"/>
+          </a:fillRef>
+          <a:effectRef idx="0">
+            <a:schemeClr val="accent1"/>
+          </a:effectRef>
+          <a:fontRef idx="minor">
+            <a:schemeClr val="lt1"/>
+          </a:fontRef>
+        </p:style>
+        <p:txBody>
+          <a:bodyPr rtlCol="0" anchor="ctr"/>
+          <a:lstStyle/>
+          <a:p>
+            <a:pPr algn="ctr"/>
+            <a:endParaRPr lang="zh-CN" altLang="en-US"/>
+          </a:p>
+        </p:txBody>
+      </p:sp>
+      <p:sp>
+        <p:nvSpPr>
+          <p:cNvPr id="40" name="矩形 39"/>
+          <p:cNvSpPr/>
+          <p:nvPr/>
+        </p:nvSpPr>
+        <p:spPr>
+          <a:xfrm>
+            <a:off x="1678980" y="2098948"/>
+            <a:ext cx="351656" cy="432048"/>
+          </a:xfrm>
+          <a:prstGeom prst="rect">
+            <a:avLst/>
+          </a:prstGeom>
+          <a:noFill/>
+          <a:ln w="38100">
+            <a:solidFill>
+              <a:schemeClr val="tx1"/>
+            </a:solidFill>
+          </a:ln>
+        </p:spPr>
+        <p:style>
+          <a:lnRef idx="2">
+            <a:schemeClr val="accent1">
+              <a:shade val="50000"/>
+            </a:schemeClr>
+          </a:lnRef>
+          <a:fillRef idx="1">
+            <a:schemeClr val="accent1"/>
+          </a:fillRef>
+          <a:effectRef idx="0">
+            <a:schemeClr val="accent1"/>
+          </a:effectRef>
+          <a:fontRef idx="minor">
+            <a:schemeClr val="lt1"/>
+          </a:fontRef>
+        </p:style>
+        <p:txBody>
+          <a:bodyPr rtlCol="0" anchor="ctr"/>
+          <a:lstStyle/>
+          <a:p>
+            <a:pPr algn="ctr"/>
+            <a:endParaRPr lang="zh-CN" altLang="en-US"/>
+          </a:p>
+        </p:txBody>
+      </p:sp>
+      <p:sp>
+        <p:nvSpPr>
+          <p:cNvPr id="41" name="矩形 40"/>
+          <p:cNvSpPr/>
+          <p:nvPr/>
+        </p:nvSpPr>
+        <p:spPr>
+          <a:xfrm>
+            <a:off x="2551460" y="2098948"/>
+            <a:ext cx="351656" cy="432048"/>
+          </a:xfrm>
+          <a:prstGeom prst="rect">
+            <a:avLst/>
+          </a:prstGeom>
+          <a:noFill/>
+          <a:ln w="38100">
+            <a:solidFill>
+              <a:schemeClr val="tx1"/>
+            </a:solidFill>
+          </a:ln>
+        </p:spPr>
+        <p:style>
+          <a:lnRef idx="2">
+            <a:schemeClr val="accent1">
+              <a:shade val="50000"/>
+            </a:schemeClr>
+          </a:lnRef>
+          <a:fillRef idx="1">
+            <a:schemeClr val="accent1"/>
+          </a:fillRef>
+          <a:effectRef idx="0">
+            <a:schemeClr val="accent1"/>
+          </a:effectRef>
+          <a:fontRef idx="minor">
+            <a:schemeClr val="lt1"/>
+          </a:fontRef>
+        </p:style>
+        <p:txBody>
+          <a:bodyPr rtlCol="0" anchor="ctr"/>
+          <a:lstStyle/>
+          <a:p>
+            <a:pPr algn="ctr"/>
+            <a:endParaRPr lang="zh-CN" altLang="en-US"/>
+          </a:p>
+        </p:txBody>
+      </p:sp>
+      <p:sp>
+        <p:nvSpPr>
+          <p:cNvPr id="42" name="矩形 41"/>
+          <p:cNvSpPr/>
+          <p:nvPr/>
+        </p:nvSpPr>
+        <p:spPr>
+          <a:xfrm>
+            <a:off x="3445272" y="2111648"/>
+            <a:ext cx="351656" cy="432048"/>
+          </a:xfrm>
+          <a:prstGeom prst="rect">
+            <a:avLst/>
+          </a:prstGeom>
+          <a:noFill/>
+          <a:ln w="38100">
+            <a:solidFill>
+              <a:schemeClr val="tx1"/>
+            </a:solidFill>
+          </a:ln>
+        </p:spPr>
+        <p:style>
+          <a:lnRef idx="2">
+            <a:schemeClr val="accent1">
+              <a:shade val="50000"/>
+            </a:schemeClr>
+          </a:lnRef>
+          <a:fillRef idx="1">
+            <a:schemeClr val="accent1"/>
+          </a:fillRef>
+          <a:effectRef idx="0">
+            <a:schemeClr val="accent1"/>
+          </a:effectRef>
+          <a:fontRef idx="minor">
+            <a:schemeClr val="lt1"/>
+          </a:fontRef>
+        </p:style>
+        <p:txBody>
+          <a:bodyPr rtlCol="0" anchor="ctr"/>
+          <a:lstStyle/>
+          <a:p>
+            <a:pPr algn="ctr"/>
+            <a:endParaRPr lang="zh-CN" altLang="en-US"/>
+          </a:p>
+        </p:txBody>
+      </p:sp>
+      <p:sp>
+        <p:nvSpPr>
+          <p:cNvPr id="43" name="矩形 42"/>
+          <p:cNvSpPr/>
+          <p:nvPr/>
+        </p:nvSpPr>
+        <p:spPr>
+          <a:xfrm>
+            <a:off x="1661964" y="3789040"/>
+            <a:ext cx="461764" cy="432048"/>
+          </a:xfrm>
+          <a:prstGeom prst="rect">
+            <a:avLst/>
+          </a:prstGeom>
+          <a:noFill/>
+          <a:ln w="38100">
+            <a:solidFill>
+              <a:schemeClr val="tx1"/>
+            </a:solidFill>
+          </a:ln>
+        </p:spPr>
+        <p:style>
+          <a:lnRef idx="2">
+            <a:schemeClr val="accent1">
+              <a:shade val="50000"/>
+            </a:schemeClr>
+          </a:lnRef>
+          <a:fillRef idx="1">
+            <a:schemeClr val="accent1"/>
+          </a:fillRef>
+          <a:effectRef idx="0">
+            <a:schemeClr val="accent1"/>
+          </a:effectRef>
+          <a:fontRef idx="minor">
+            <a:schemeClr val="lt1"/>
+          </a:fontRef>
+        </p:style>
+        <p:txBody>
+          <a:bodyPr rtlCol="0" anchor="ctr"/>
+          <a:lstStyle/>
+          <a:p>
+            <a:pPr algn="ctr"/>
+            <a:endParaRPr lang="zh-CN" altLang="en-US"/>
+          </a:p>
+        </p:txBody>
+      </p:sp>
+      <p:sp>
+        <p:nvSpPr>
+          <p:cNvPr id="44" name="矩形 43"/>
+          <p:cNvSpPr/>
+          <p:nvPr/>
+        </p:nvSpPr>
+        <p:spPr>
+          <a:xfrm>
+            <a:off x="2483768" y="3789040"/>
+            <a:ext cx="504056" cy="432048"/>
+          </a:xfrm>
+          <a:prstGeom prst="rect">
+            <a:avLst/>
+          </a:prstGeom>
+          <a:noFill/>
+          <a:ln w="38100">
+            <a:solidFill>
+              <a:schemeClr val="tx1"/>
+            </a:solidFill>
+          </a:ln>
+        </p:spPr>
+        <p:style>
+          <a:lnRef idx="2">
+            <a:schemeClr val="accent1">
+              <a:shade val="50000"/>
+            </a:schemeClr>
+          </a:lnRef>
+          <a:fillRef idx="1">
+            <a:schemeClr val="accent1"/>
+          </a:fillRef>
+          <a:effectRef idx="0">
+            <a:schemeClr val="accent1"/>
+          </a:effectRef>
+          <a:fontRef idx="minor">
+            <a:schemeClr val="lt1"/>
+          </a:fontRef>
+        </p:style>
+        <p:txBody>
+          <a:bodyPr rtlCol="0" anchor="ctr"/>
+          <a:lstStyle/>
+          <a:p>
+            <a:pPr algn="ctr"/>
+            <a:endParaRPr lang="zh-CN" altLang="en-US"/>
+          </a:p>
+        </p:txBody>
+      </p:sp>
+      <p:sp>
+        <p:nvSpPr>
+          <p:cNvPr id="45" name="矩形 44"/>
+          <p:cNvSpPr/>
+          <p:nvPr/>
+        </p:nvSpPr>
+        <p:spPr>
+          <a:xfrm>
+            <a:off x="3347864" y="3789040"/>
+            <a:ext cx="504056" cy="432048"/>
+          </a:xfrm>
+          <a:prstGeom prst="rect">
+            <a:avLst/>
+          </a:prstGeom>
+          <a:noFill/>
+          <a:ln w="38100">
+            <a:solidFill>
+              <a:schemeClr val="tx1"/>
+            </a:solidFill>
+          </a:ln>
+        </p:spPr>
+        <p:style>
+          <a:lnRef idx="2">
+            <a:schemeClr val="accent1">
+              <a:shade val="50000"/>
+            </a:schemeClr>
+          </a:lnRef>
+          <a:fillRef idx="1">
+            <a:schemeClr val="accent1"/>
+          </a:fillRef>
+          <a:effectRef idx="0">
+            <a:schemeClr val="accent1"/>
+          </a:effectRef>
+          <a:fontRef idx="minor">
+            <a:schemeClr val="lt1"/>
+          </a:fontRef>
+        </p:style>
+        <p:txBody>
+          <a:bodyPr rtlCol="0" anchor="ctr"/>
+          <a:lstStyle/>
+          <a:p>
+            <a:pPr algn="ctr"/>
+            <a:endParaRPr lang="zh-CN" altLang="en-US"/>
+          </a:p>
+        </p:txBody>
+      </p:sp>
+      <p:sp>
+        <p:nvSpPr>
+          <p:cNvPr id="32" name="矩形 31"/>
+          <p:cNvSpPr/>
+          <p:nvPr/>
+        </p:nvSpPr>
+        <p:spPr>
+          <a:xfrm>
+            <a:off x="179512" y="2924944"/>
+            <a:ext cx="576064" cy="504056"/>
+          </a:xfrm>
+          <a:prstGeom prst="rect">
+            <a:avLst/>
+          </a:prstGeom>
+          <a:noFill/>
+          <a:ln w="38100">
+            <a:solidFill>
+              <a:schemeClr val="tx1"/>
+            </a:solidFill>
+          </a:ln>
+        </p:spPr>
+        <p:style>
+          <a:lnRef idx="2">
+            <a:schemeClr val="accent1">
+              <a:shade val="50000"/>
+            </a:schemeClr>
+          </a:lnRef>
+          <a:fillRef idx="1">
+            <a:schemeClr val="accent1"/>
+          </a:fillRef>
+          <a:effectRef idx="0">
+            <a:schemeClr val="accent1"/>
+          </a:effectRef>
+          <a:fontRef idx="minor">
+            <a:schemeClr val="lt1"/>
+          </a:fontRef>
+        </p:style>
+        <p:txBody>
+          <a:bodyPr rtlCol="0" anchor="ctr"/>
+          <a:lstStyle/>
+          <a:p>
+            <a:pPr algn="ctr"/>
+            <a:endParaRPr lang="zh-CN" altLang="en-US"/>
+          </a:p>
+        </p:txBody>
+      </p:sp>
+      <p:sp>
+        <p:nvSpPr>
+          <p:cNvPr id="33" name="矩形 32"/>
+          <p:cNvSpPr/>
+          <p:nvPr/>
+        </p:nvSpPr>
+        <p:spPr>
+          <a:xfrm>
+            <a:off x="1094408" y="2924944"/>
+            <a:ext cx="576064" cy="504056"/>
+          </a:xfrm>
+          <a:prstGeom prst="rect">
+            <a:avLst/>
+          </a:prstGeom>
+          <a:noFill/>
+          <a:ln w="38100">
+            <a:solidFill>
+              <a:schemeClr val="tx1"/>
+            </a:solidFill>
+          </a:ln>
+        </p:spPr>
+        <p:style>
+          <a:lnRef idx="2">
+            <a:schemeClr val="accent1">
+              <a:shade val="50000"/>
+            </a:schemeClr>
+          </a:lnRef>
+          <a:fillRef idx="1">
+            <a:schemeClr val="accent1"/>
+          </a:fillRef>
+          <a:effectRef idx="0">
+            <a:schemeClr val="accent1"/>
+          </a:effectRef>
+          <a:fontRef idx="minor">
+            <a:schemeClr val="lt1"/>
+          </a:fontRef>
+        </p:style>
+        <p:txBody>
+          <a:bodyPr rtlCol="0" anchor="ctr"/>
+          <a:lstStyle/>
+          <a:p>
+            <a:pPr algn="ctr"/>
+            <a:endParaRPr lang="zh-CN" altLang="en-US"/>
+          </a:p>
+        </p:txBody>
+      </p:sp>
+      <p:sp>
+        <p:nvSpPr>
+          <p:cNvPr id="34" name="矩形 33"/>
+          <p:cNvSpPr/>
+          <p:nvPr/>
+        </p:nvSpPr>
+        <p:spPr>
+          <a:xfrm>
+            <a:off x="2005112" y="2937644"/>
+            <a:ext cx="576064" cy="504056"/>
+          </a:xfrm>
+          <a:prstGeom prst="rect">
+            <a:avLst/>
+          </a:prstGeom>
+          <a:noFill/>
+          <a:ln w="38100">
+            <a:solidFill>
+              <a:schemeClr val="tx1"/>
+            </a:solidFill>
+          </a:ln>
+        </p:spPr>
+        <p:style>
+          <a:lnRef idx="2">
+            <a:schemeClr val="accent1">
+              <a:shade val="50000"/>
+            </a:schemeClr>
+          </a:lnRef>
+          <a:fillRef idx="1">
+            <a:schemeClr val="accent1"/>
+          </a:fillRef>
+          <a:effectRef idx="0">
+            <a:schemeClr val="accent1"/>
+          </a:effectRef>
+          <a:fontRef idx="minor">
+            <a:schemeClr val="lt1"/>
+          </a:fontRef>
+        </p:style>
+        <p:txBody>
+          <a:bodyPr rtlCol="0" anchor="ctr"/>
+          <a:lstStyle/>
+          <a:p>
+            <a:pPr algn="ctr"/>
+            <a:endParaRPr lang="zh-CN" altLang="en-US"/>
+          </a:p>
+        </p:txBody>
+      </p:sp>
+      <p:sp>
+        <p:nvSpPr>
+          <p:cNvPr id="35" name="矩形 34"/>
+          <p:cNvSpPr/>
+          <p:nvPr/>
+        </p:nvSpPr>
+        <p:spPr>
+          <a:xfrm>
+            <a:off x="2856508" y="2916436"/>
+            <a:ext cx="576064" cy="504056"/>
+          </a:xfrm>
+          <a:prstGeom prst="rect">
+            <a:avLst/>
+          </a:prstGeom>
+          <a:noFill/>
+          <a:ln w="38100">
+            <a:solidFill>
+              <a:schemeClr val="tx1"/>
+            </a:solidFill>
+          </a:ln>
+        </p:spPr>
+        <p:style>
+          <a:lnRef idx="2">
+            <a:schemeClr val="accent1">
+              <a:shade val="50000"/>
+            </a:schemeClr>
+          </a:lnRef>
+          <a:fillRef idx="1">
+            <a:schemeClr val="accent1"/>
+          </a:fillRef>
+          <a:effectRef idx="0">
+            <a:schemeClr val="accent1"/>
+          </a:effectRef>
+          <a:fontRef idx="minor">
+            <a:schemeClr val="lt1"/>
+          </a:fontRef>
+        </p:style>
+        <p:txBody>
+          <a:bodyPr rtlCol="0" anchor="ctr"/>
+          <a:lstStyle/>
+          <a:p>
+            <a:pPr algn="ctr"/>
+            <a:endParaRPr lang="zh-CN" altLang="en-US"/>
+          </a:p>
+        </p:txBody>
+      </p:sp>
+      <p:sp>
+        <p:nvSpPr>
+          <p:cNvPr id="36" name="矩形 35"/>
+          <p:cNvSpPr/>
+          <p:nvPr/>
+        </p:nvSpPr>
+        <p:spPr>
+          <a:xfrm>
+            <a:off x="611560" y="3789040"/>
+            <a:ext cx="432048" cy="432048"/>
+          </a:xfrm>
+          <a:prstGeom prst="rect">
+            <a:avLst/>
+          </a:prstGeom>
+          <a:noFill/>
+          <a:ln w="38100">
+            <a:solidFill>
+              <a:schemeClr val="tx1"/>
+            </a:solidFill>
+          </a:ln>
+        </p:spPr>
+        <p:style>
+          <a:lnRef idx="2">
+            <a:schemeClr val="accent1">
+              <a:shade val="50000"/>
+            </a:schemeClr>
+          </a:lnRef>
+          <a:fillRef idx="1">
+            <a:schemeClr val="accent1"/>
+          </a:fillRef>
+          <a:effectRef idx="0">
+            <a:schemeClr val="accent1"/>
+          </a:effectRef>
+          <a:fontRef idx="minor">
+            <a:schemeClr val="lt1"/>
+          </a:fontRef>
+        </p:style>
+        <p:txBody>
+          <a:bodyPr rtlCol="0" anchor="ctr"/>
+          <a:lstStyle/>
+          <a:p>
+            <a:pPr algn="ctr"/>
+            <a:endParaRPr lang="zh-CN" altLang="en-US"/>
+          </a:p>
+        </p:txBody>
+      </p:sp>
+      <p:sp>
+        <p:nvSpPr>
+          <p:cNvPr id="46" name="矩形 45"/>
+          <p:cNvSpPr/>
+          <p:nvPr/>
+        </p:nvSpPr>
+        <p:spPr>
+          <a:xfrm rot="18920393">
+            <a:off x="1668043" y="4409641"/>
+            <a:ext cx="647751" cy="608580"/>
+          </a:xfrm>
+          <a:prstGeom prst="rect">
+            <a:avLst/>
+          </a:prstGeom>
+          <a:noFill/>
+          <a:ln w="38100">
+            <a:solidFill>
+              <a:schemeClr val="tx1"/>
+            </a:solidFill>
+          </a:ln>
+        </p:spPr>
+        <p:style>
+          <a:lnRef idx="2">
+            <a:schemeClr val="accent1">
+              <a:shade val="50000"/>
+            </a:schemeClr>
+          </a:lnRef>
+          <a:fillRef idx="1">
+            <a:schemeClr val="accent1"/>
+          </a:fillRef>
+          <a:effectRef idx="0">
+            <a:schemeClr val="accent1"/>
+          </a:effectRef>
+          <a:fontRef idx="minor">
+            <a:schemeClr val="lt1"/>
+          </a:fontRef>
+        </p:style>
+        <p:txBody>
+          <a:bodyPr rtlCol="0" anchor="ctr"/>
+          <a:lstStyle/>
+          <a:p>
+            <a:pPr algn="ctr"/>
+            <a:endParaRPr lang="zh-CN" altLang="en-US"/>
+          </a:p>
+        </p:txBody>
+      </p:sp>
+      <p:sp>
+        <p:nvSpPr>
+          <p:cNvPr id="47" name="矩形 46"/>
+          <p:cNvSpPr/>
+          <p:nvPr/>
+        </p:nvSpPr>
+        <p:spPr>
+          <a:xfrm rot="18920393">
+            <a:off x="2584258" y="4404825"/>
+            <a:ext cx="613565" cy="642800"/>
+          </a:xfrm>
+          <a:prstGeom prst="rect">
+            <a:avLst/>
+          </a:prstGeom>
+          <a:noFill/>
+          <a:ln w="38100">
+            <a:solidFill>
+              <a:schemeClr val="tx1"/>
+            </a:solidFill>
+          </a:ln>
+        </p:spPr>
+        <p:style>
+          <a:lnRef idx="2">
+            <a:schemeClr val="accent1">
+              <a:shade val="50000"/>
+            </a:schemeClr>
+          </a:lnRef>
+          <a:fillRef idx="1">
+            <a:schemeClr val="accent1"/>
+          </a:fillRef>
+          <a:effectRef idx="0">
+            <a:schemeClr val="accent1"/>
+          </a:effectRef>
+          <a:fontRef idx="minor">
+            <a:schemeClr val="lt1"/>
+          </a:fontRef>
+        </p:style>
+        <p:txBody>
+          <a:bodyPr rtlCol="0" anchor="ctr"/>
+          <a:lstStyle/>
+          <a:p>
+            <a:pPr algn="ctr"/>
+            <a:endParaRPr lang="zh-CN" altLang="en-US"/>
+          </a:p>
+        </p:txBody>
+      </p:sp>
+      <p:sp>
+        <p:nvSpPr>
+          <p:cNvPr id="48" name="矩形 47"/>
+          <p:cNvSpPr/>
+          <p:nvPr/>
+        </p:nvSpPr>
+        <p:spPr>
+          <a:xfrm rot="18920393">
+            <a:off x="440863" y="4408558"/>
+            <a:ext cx="616725" cy="623312"/>
+          </a:xfrm>
+          <a:prstGeom prst="rect">
+            <a:avLst/>
+          </a:prstGeom>
+          <a:noFill/>
+          <a:ln w="38100">
+            <a:solidFill>
+              <a:schemeClr val="tx1"/>
+            </a:solidFill>
+          </a:ln>
+        </p:spPr>
+        <p:style>
+          <a:lnRef idx="2">
+            <a:schemeClr val="accent1">
+              <a:shade val="50000"/>
+            </a:schemeClr>
+          </a:lnRef>
+          <a:fillRef idx="1">
+            <a:schemeClr val="accent1"/>
+          </a:fillRef>
+          <a:effectRef idx="0">
+            <a:schemeClr val="accent1"/>
+          </a:effectRef>
+          <a:fontRef idx="minor">
+            <a:schemeClr val="lt1"/>
+          </a:fontRef>
+        </p:style>
+        <p:txBody>
+          <a:bodyPr rtlCol="0" anchor="ctr"/>
+          <a:lstStyle/>
+          <a:p>
+            <a:pPr algn="ctr"/>
+            <a:endParaRPr lang="zh-CN" altLang="en-US"/>
+          </a:p>
+        </p:txBody>
+      </p:sp>
+      <p:sp>
+        <p:nvSpPr>
+          <p:cNvPr id="49" name="矩形 48"/>
+          <p:cNvSpPr/>
+          <p:nvPr/>
+        </p:nvSpPr>
+        <p:spPr>
+          <a:xfrm rot="18920393">
+            <a:off x="3510272" y="4390241"/>
+            <a:ext cx="627297" cy="678314"/>
+          </a:xfrm>
+          <a:prstGeom prst="rect">
+            <a:avLst/>
+          </a:prstGeom>
+          <a:noFill/>
+          <a:ln w="38100">
+            <a:solidFill>
+              <a:schemeClr val="tx1"/>
+            </a:solidFill>
+          </a:ln>
+        </p:spPr>
+        <p:style>
+          <a:lnRef idx="2">
+            <a:schemeClr val="accent1">
+              <a:shade val="50000"/>
+            </a:schemeClr>
+          </a:lnRef>
+          <a:fillRef idx="1">
+            <a:schemeClr val="accent1"/>
+          </a:fillRef>
+          <a:effectRef idx="0">
+            <a:schemeClr val="accent1"/>
+          </a:effectRef>
+          <a:fontRef idx="minor">
+            <a:schemeClr val="lt1"/>
+          </a:fontRef>
+        </p:style>
+        <p:txBody>
+          <a:bodyPr rtlCol="0" anchor="ctr"/>
+          <a:lstStyle/>
+          <a:p>
+            <a:pPr algn="ctr"/>
+            <a:endParaRPr lang="zh-CN" altLang="en-US"/>
+          </a:p>
+        </p:txBody>
+      </p:sp>
+      <p:sp>
+        <p:nvSpPr>
+          <p:cNvPr id="50" name="矩形 49"/>
+          <p:cNvSpPr/>
+          <p:nvPr/>
+        </p:nvSpPr>
+        <p:spPr>
+          <a:xfrm>
+            <a:off x="1187624" y="3789040"/>
+            <a:ext cx="321940" cy="2160240"/>
+          </a:xfrm>
+          <a:prstGeom prst="rect">
+            <a:avLst/>
+          </a:prstGeom>
+          <a:noFill/>
+          <a:ln w="38100">
+            <a:solidFill>
+              <a:schemeClr val="tx1"/>
+            </a:solidFill>
+          </a:ln>
+        </p:spPr>
+        <p:style>
+          <a:lnRef idx="2">
+            <a:schemeClr val="accent1">
+              <a:shade val="50000"/>
+            </a:schemeClr>
+          </a:lnRef>
+          <a:fillRef idx="1">
+            <a:schemeClr val="accent1"/>
+          </a:fillRef>
+          <a:effectRef idx="0">
+            <a:schemeClr val="accent1"/>
+          </a:effectRef>
+          <a:fontRef idx="minor">
+            <a:schemeClr val="lt1"/>
+          </a:fontRef>
+        </p:style>
+        <p:txBody>
+          <a:bodyPr rtlCol="0" anchor="ctr"/>
+          <a:lstStyle/>
+          <a:p>
+            <a:pPr algn="ctr"/>
+            <a:endParaRPr lang="zh-CN" altLang="en-US"/>
+          </a:p>
+        </p:txBody>
+      </p:sp>
+      <p:sp>
+        <p:nvSpPr>
+          <p:cNvPr id="51" name="矩形 50"/>
+          <p:cNvSpPr/>
+          <p:nvPr/>
+        </p:nvSpPr>
+        <p:spPr>
+          <a:xfrm>
+            <a:off x="4343276" y="2564904"/>
+            <a:ext cx="1296144" cy="1224136"/>
+          </a:xfrm>
+          <a:prstGeom prst="rect">
+            <a:avLst/>
+          </a:prstGeom>
+          <a:noFill/>
+          <a:ln w="38100">
+            <a:solidFill>
+              <a:schemeClr val="tx1"/>
+            </a:solidFill>
+          </a:ln>
+        </p:spPr>
+        <p:style>
+          <a:lnRef idx="2">
+            <a:schemeClr val="accent1">
+              <a:shade val="50000"/>
+            </a:schemeClr>
+          </a:lnRef>
+          <a:fillRef idx="1">
+            <a:schemeClr val="accent1"/>
+          </a:fillRef>
+          <a:effectRef idx="0">
+            <a:schemeClr val="accent1"/>
+          </a:effectRef>
+          <a:fontRef idx="minor">
+            <a:schemeClr val="lt1"/>
+          </a:fontRef>
+        </p:style>
+        <p:txBody>
+          <a:bodyPr rtlCol="0" anchor="ctr"/>
+          <a:lstStyle/>
+          <a:p>
+            <a:pPr algn="ctr"/>
+            <a:endParaRPr lang="zh-CN" altLang="en-US"/>
+          </a:p>
+        </p:txBody>
+      </p:sp>
+      <p:sp>
+        <p:nvSpPr>
+          <p:cNvPr id="52" name="矩形 51"/>
+          <p:cNvSpPr/>
+          <p:nvPr/>
+        </p:nvSpPr>
+        <p:spPr>
+          <a:xfrm>
+            <a:off x="5220072" y="1988840"/>
+            <a:ext cx="423664" cy="584448"/>
+          </a:xfrm>
+          <a:prstGeom prst="rect">
+            <a:avLst/>
+          </a:prstGeom>
+          <a:noFill/>
+          <a:ln w="38100">
+            <a:solidFill>
+              <a:schemeClr val="tx1"/>
+            </a:solidFill>
+          </a:ln>
+        </p:spPr>
+        <p:style>
+          <a:lnRef idx="2">
+            <a:schemeClr val="accent1">
+              <a:shade val="50000"/>
+            </a:schemeClr>
+          </a:lnRef>
+          <a:fillRef idx="1">
+            <a:schemeClr val="accent1"/>
+          </a:fillRef>
+          <a:effectRef idx="0">
+            <a:schemeClr val="accent1"/>
+          </a:effectRef>
+          <a:fontRef idx="minor">
+            <a:schemeClr val="lt1"/>
+          </a:fontRef>
+        </p:style>
+        <p:txBody>
+          <a:bodyPr rtlCol="0" anchor="ctr"/>
+          <a:lstStyle/>
+          <a:p>
+            <a:pPr algn="ctr"/>
+            <a:endParaRPr lang="zh-CN" altLang="en-US"/>
+          </a:p>
+        </p:txBody>
+      </p:sp>
+      <p:sp>
+        <p:nvSpPr>
+          <p:cNvPr id="53" name="矩形 52"/>
+          <p:cNvSpPr/>
+          <p:nvPr/>
+        </p:nvSpPr>
+        <p:spPr>
+          <a:xfrm>
+            <a:off x="5652120" y="3356992"/>
+            <a:ext cx="864096" cy="1368152"/>
+          </a:xfrm>
+          <a:prstGeom prst="rect">
+            <a:avLst/>
+          </a:prstGeom>
+          <a:noFill/>
+          <a:ln w="38100">
+            <a:solidFill>
+              <a:schemeClr val="tx1"/>
+            </a:solidFill>
+          </a:ln>
+        </p:spPr>
+        <p:style>
+          <a:lnRef idx="2">
+            <a:schemeClr val="accent1">
+              <a:shade val="50000"/>
+            </a:schemeClr>
+          </a:lnRef>
+          <a:fillRef idx="1">
+            <a:schemeClr val="accent1"/>
+          </a:fillRef>
+          <a:effectRef idx="0">
+            <a:schemeClr val="accent1"/>
+          </a:effectRef>
+          <a:fontRef idx="minor">
+            <a:schemeClr val="lt1"/>
+          </a:fontRef>
+        </p:style>
+        <p:txBody>
+          <a:bodyPr rtlCol="0" anchor="ctr"/>
+          <a:lstStyle/>
+          <a:p>
+            <a:pPr algn="ctr"/>
+            <a:endParaRPr lang="zh-CN" altLang="en-US"/>
+          </a:p>
+        </p:txBody>
+      </p:sp>
+      <p:sp>
+        <p:nvSpPr>
+          <p:cNvPr id="54" name="矩形 53"/>
+          <p:cNvSpPr/>
+          <p:nvPr/>
+        </p:nvSpPr>
+        <p:spPr>
+          <a:xfrm>
+            <a:off x="5652120" y="2132856"/>
+            <a:ext cx="1152128" cy="504056"/>
+          </a:xfrm>
+          <a:prstGeom prst="rect">
+            <a:avLst/>
+          </a:prstGeom>
+          <a:noFill/>
+          <a:ln w="38100">
+            <a:solidFill>
+              <a:schemeClr val="tx1"/>
+            </a:solidFill>
+          </a:ln>
+        </p:spPr>
+        <p:style>
+          <a:lnRef idx="2">
+            <a:schemeClr val="accent1">
+              <a:shade val="50000"/>
+            </a:schemeClr>
+          </a:lnRef>
+          <a:fillRef idx="1">
+            <a:schemeClr val="accent1"/>
+          </a:fillRef>
+          <a:effectRef idx="0">
+            <a:schemeClr val="accent1"/>
+          </a:effectRef>
+          <a:fontRef idx="minor">
+            <a:schemeClr val="lt1"/>
+          </a:fontRef>
+        </p:style>
+        <p:txBody>
+          <a:bodyPr rtlCol="0" anchor="ctr"/>
+          <a:lstStyle/>
+          <a:p>
+            <a:pPr algn="ctr"/>
+            <a:endParaRPr lang="zh-CN" altLang="en-US"/>
+          </a:p>
+        </p:txBody>
+      </p:sp>
+      <p:sp>
+        <p:nvSpPr>
+          <p:cNvPr id="55" name="矩形 54"/>
+          <p:cNvSpPr/>
+          <p:nvPr/>
+        </p:nvSpPr>
+        <p:spPr>
+          <a:xfrm>
+            <a:off x="5652120" y="2780928"/>
+            <a:ext cx="1152128" cy="504056"/>
+          </a:xfrm>
+          <a:prstGeom prst="rect">
+            <a:avLst/>
+          </a:prstGeom>
+          <a:noFill/>
+          <a:ln w="38100">
+            <a:solidFill>
+              <a:schemeClr val="tx1"/>
+            </a:solidFill>
+          </a:ln>
+        </p:spPr>
+        <p:style>
+          <a:lnRef idx="2">
+            <a:schemeClr val="accent1">
+              <a:shade val="50000"/>
+            </a:schemeClr>
+          </a:lnRef>
+          <a:fillRef idx="1">
+            <a:schemeClr val="accent1"/>
+          </a:fillRef>
+          <a:effectRef idx="0">
+            <a:schemeClr val="accent1"/>
+          </a:effectRef>
+          <a:fontRef idx="minor">
+            <a:schemeClr val="lt1"/>
+          </a:fontRef>
+        </p:style>
+        <p:txBody>
+          <a:bodyPr rtlCol="0" anchor="ctr"/>
+          <a:lstStyle/>
+          <a:p>
+            <a:pPr algn="ctr"/>
+            <a:endParaRPr lang="zh-CN" altLang="en-US"/>
+          </a:p>
+        </p:txBody>
+      </p:sp>
+      <p:sp>
+        <p:nvSpPr>
+          <p:cNvPr id="56" name="矩形 55"/>
+          <p:cNvSpPr/>
+          <p:nvPr/>
+        </p:nvSpPr>
+        <p:spPr>
+          <a:xfrm rot="19011359">
+            <a:off x="6471701" y="2336289"/>
+            <a:ext cx="1691779" cy="415920"/>
+          </a:xfrm>
+          <a:prstGeom prst="rect">
+            <a:avLst/>
+          </a:prstGeom>
+          <a:noFill/>
+          <a:ln w="38100">
+            <a:solidFill>
+              <a:schemeClr val="tx1"/>
+            </a:solidFill>
+          </a:ln>
+        </p:spPr>
+        <p:style>
+          <a:lnRef idx="2">
+            <a:schemeClr val="accent1">
+              <a:shade val="50000"/>
+            </a:schemeClr>
+          </a:lnRef>
+          <a:fillRef idx="1">
+            <a:schemeClr val="accent1"/>
+          </a:fillRef>
+          <a:effectRef idx="0">
+            <a:schemeClr val="accent1"/>
+          </a:effectRef>
+          <a:fontRef idx="minor">
+            <a:schemeClr val="lt1"/>
+          </a:fontRef>
+        </p:style>
+        <p:txBody>
+          <a:bodyPr rtlCol="0" anchor="ctr"/>
+          <a:lstStyle/>
+          <a:p>
+            <a:pPr algn="ctr"/>
+            <a:endParaRPr lang="zh-CN" altLang="en-US"/>
+          </a:p>
+        </p:txBody>
+      </p:sp>
+      <p:sp>
+        <p:nvSpPr>
+          <p:cNvPr id="57" name="矩形 56"/>
+          <p:cNvSpPr/>
+          <p:nvPr/>
+        </p:nvSpPr>
+        <p:spPr>
+          <a:xfrm rot="4615071">
+            <a:off x="7621136" y="1904080"/>
+            <a:ext cx="1073710" cy="570840"/>
+          </a:xfrm>
+          <a:prstGeom prst="rect">
+            <a:avLst/>
+          </a:prstGeom>
+          <a:noFill/>
+          <a:ln w="38100">
+            <a:solidFill>
+              <a:schemeClr val="tx1"/>
+            </a:solidFill>
+          </a:ln>
+        </p:spPr>
+        <p:style>
+          <a:lnRef idx="2">
+            <a:schemeClr val="accent1">
+              <a:shade val="50000"/>
+            </a:schemeClr>
+          </a:lnRef>
+          <a:fillRef idx="1">
+            <a:schemeClr val="accent1"/>
+          </a:fillRef>
+          <a:effectRef idx="0">
+            <a:schemeClr val="accent1"/>
+          </a:effectRef>
+          <a:fontRef idx="minor">
+            <a:schemeClr val="lt1"/>
+          </a:fontRef>
+        </p:style>
+        <p:txBody>
+          <a:bodyPr rtlCol="0" anchor="ctr"/>
+          <a:lstStyle/>
+          <a:p>
+            <a:pPr algn="ctr"/>
+            <a:endParaRPr lang="zh-CN" altLang="en-US"/>
+          </a:p>
+        </p:txBody>
+      </p:sp>
+      <p:sp>
+        <p:nvSpPr>
+          <p:cNvPr id="58" name="矩形 57"/>
+          <p:cNvSpPr/>
+          <p:nvPr/>
+        </p:nvSpPr>
+        <p:spPr>
+          <a:xfrm rot="5400000">
+            <a:off x="5752436" y="4565025"/>
+            <a:ext cx="718963" cy="1379652"/>
+          </a:xfrm>
+          <a:prstGeom prst="rect">
+            <a:avLst/>
+          </a:prstGeom>
+          <a:noFill/>
+          <a:ln w="38100">
+            <a:solidFill>
+              <a:schemeClr val="tx1"/>
+            </a:solidFill>
+          </a:ln>
+        </p:spPr>
+        <p:style>
+          <a:lnRef idx="2">
+            <a:schemeClr val="accent1">
+              <a:shade val="50000"/>
+            </a:schemeClr>
+          </a:lnRef>
+          <a:fillRef idx="1">
+            <a:schemeClr val="accent1"/>
+          </a:fillRef>
+          <a:effectRef idx="0">
+            <a:schemeClr val="accent1"/>
+          </a:effectRef>
+          <a:fontRef idx="minor">
+            <a:schemeClr val="lt1"/>
+          </a:fontRef>
+        </p:style>
+        <p:txBody>
+          <a:bodyPr rtlCol="0" anchor="ctr"/>
+          <a:lstStyle/>
+          <a:p>
+            <a:pPr algn="ctr"/>
+            <a:endParaRPr lang="zh-CN" altLang="en-US"/>
+          </a:p>
+        </p:txBody>
+      </p:sp>
+      <p:sp>
+        <p:nvSpPr>
+          <p:cNvPr id="59" name="矩形 58"/>
+          <p:cNvSpPr/>
+          <p:nvPr/>
+        </p:nvSpPr>
+        <p:spPr>
+          <a:xfrm rot="5400000">
+            <a:off x="7134592" y="4466808"/>
+            <a:ext cx="718963" cy="1379652"/>
+          </a:xfrm>
+          <a:prstGeom prst="rect">
+            <a:avLst/>
+          </a:prstGeom>
+          <a:noFill/>
+          <a:ln w="38100">
+            <a:solidFill>
+              <a:schemeClr val="tx1"/>
+            </a:solidFill>
+          </a:ln>
+        </p:spPr>
+        <p:style>
+          <a:lnRef idx="2">
+            <a:schemeClr val="accent1">
+              <a:shade val="50000"/>
+            </a:schemeClr>
+          </a:lnRef>
+          <a:fillRef idx="1">
+            <a:schemeClr val="accent1"/>
+          </a:fillRef>
+          <a:effectRef idx="0">
+            <a:schemeClr val="accent1"/>
+          </a:effectRef>
+          <a:fontRef idx="minor">
+            <a:schemeClr val="lt1"/>
+          </a:fontRef>
+        </p:style>
+        <p:txBody>
+          <a:bodyPr rtlCol="0" anchor="ctr"/>
+          <a:lstStyle/>
+          <a:p>
+            <a:pPr algn="ctr"/>
+            <a:endParaRPr lang="zh-CN" altLang="en-US"/>
+          </a:p>
+        </p:txBody>
+      </p:sp>
+      <p:sp>
+        <p:nvSpPr>
+          <p:cNvPr id="60" name="矩形 59"/>
+          <p:cNvSpPr/>
+          <p:nvPr/>
+        </p:nvSpPr>
+        <p:spPr>
+          <a:xfrm rot="2841884">
+            <a:off x="8166978" y="2546059"/>
+            <a:ext cx="786417" cy="570840"/>
+          </a:xfrm>
+          <a:prstGeom prst="rect">
+            <a:avLst/>
+          </a:prstGeom>
+          <a:noFill/>
+          <a:ln w="38100">
+            <a:solidFill>
+              <a:schemeClr val="tx1"/>
+            </a:solidFill>
+          </a:ln>
+        </p:spPr>
+        <p:style>
+          <a:lnRef idx="2">
+            <a:schemeClr val="accent1">
+              <a:shade val="50000"/>
+            </a:schemeClr>
+          </a:lnRef>
+          <a:fillRef idx="1">
+            <a:schemeClr val="accent1"/>
+          </a:fillRef>
+          <a:effectRef idx="0">
+            <a:schemeClr val="accent1"/>
+          </a:effectRef>
+          <a:fontRef idx="minor">
+            <a:schemeClr val="lt1"/>
+          </a:fontRef>
+        </p:style>
+        <p:txBody>
+          <a:bodyPr rtlCol="0" anchor="ctr"/>
+          <a:lstStyle/>
+          <a:p>
+            <a:pPr algn="ctr"/>
+            <a:endParaRPr lang="zh-CN" altLang="en-US"/>
+          </a:p>
+        </p:txBody>
+      </p:sp>
+      <p:sp>
+        <p:nvSpPr>
+          <p:cNvPr id="61" name="矩形 60"/>
+          <p:cNvSpPr/>
+          <p:nvPr/>
+        </p:nvSpPr>
+        <p:spPr>
+          <a:xfrm rot="2841884">
+            <a:off x="7268133" y="2486261"/>
+            <a:ext cx="733032" cy="1712416"/>
+          </a:xfrm>
+          <a:prstGeom prst="rect">
+            <a:avLst/>
+          </a:prstGeom>
+          <a:noFill/>
+          <a:ln w="38100">
+            <a:solidFill>
+              <a:schemeClr val="tx1"/>
+            </a:solidFill>
+          </a:ln>
+        </p:spPr>
+        <p:style>
+          <a:lnRef idx="2">
+            <a:schemeClr val="accent1">
+              <a:shade val="50000"/>
+            </a:schemeClr>
+          </a:lnRef>
+          <a:fillRef idx="1">
+            <a:schemeClr val="accent1"/>
+          </a:fillRef>
+          <a:effectRef idx="0">
+            <a:schemeClr val="accent1"/>
+          </a:effectRef>
+          <a:fontRef idx="minor">
+            <a:schemeClr val="lt1"/>
+          </a:fontRef>
+        </p:style>
+        <p:txBody>
+          <a:bodyPr rtlCol="0" anchor="ctr"/>
+          <a:lstStyle/>
+          <a:p>
+            <a:pPr algn="ctr"/>
+            <a:endParaRPr lang="zh-CN" altLang="en-US"/>
+          </a:p>
+        </p:txBody>
+      </p:sp>
+      <p:sp>
+        <p:nvSpPr>
+          <p:cNvPr id="62" name="矩形 61"/>
+          <p:cNvSpPr/>
+          <p:nvPr/>
+        </p:nvSpPr>
+        <p:spPr>
+          <a:xfrm>
+            <a:off x="6694140" y="3547616"/>
+            <a:ext cx="864096" cy="1321544"/>
+          </a:xfrm>
+          <a:prstGeom prst="rect">
+            <a:avLst/>
+          </a:prstGeom>
+          <a:noFill/>
+          <a:ln w="38100">
+            <a:solidFill>
+              <a:schemeClr val="tx1"/>
+            </a:solidFill>
+          </a:ln>
+        </p:spPr>
+        <p:style>
+          <a:lnRef idx="2">
+            <a:schemeClr val="accent1">
+              <a:shade val="50000"/>
+            </a:schemeClr>
+          </a:lnRef>
+          <a:fillRef idx="1">
+            <a:schemeClr val="accent1"/>
+          </a:fillRef>
+          <a:effectRef idx="0">
+            <a:schemeClr val="accent1"/>
+          </a:effectRef>
+          <a:fontRef idx="minor">
+            <a:schemeClr val="lt1"/>
+          </a:fontRef>
+        </p:style>
+        <p:txBody>
+          <a:bodyPr rtlCol="0" anchor="ctr"/>
+          <a:lstStyle/>
+          <a:p>
+            <a:pPr algn="ctr"/>
+            <a:endParaRPr lang="zh-CN" altLang="en-US"/>
+          </a:p>
+        </p:txBody>
+      </p:sp>
+      <p:sp>
+        <p:nvSpPr>
+          <p:cNvPr id="63" name="矩形 62"/>
+          <p:cNvSpPr/>
+          <p:nvPr/>
+        </p:nvSpPr>
+        <p:spPr>
+          <a:xfrm>
+            <a:off x="3707904" y="2924944"/>
+            <a:ext cx="576064" cy="504056"/>
+          </a:xfrm>
+          <a:prstGeom prst="rect">
+            <a:avLst/>
+          </a:prstGeom>
+          <a:noFill/>
+          <a:ln w="38100">
+            <a:solidFill>
+              <a:schemeClr val="tx1"/>
+            </a:solidFill>
+          </a:ln>
+        </p:spPr>
+        <p:style>
+          <a:lnRef idx="2">
+            <a:schemeClr val="accent1">
+              <a:shade val="50000"/>
+            </a:schemeClr>
+          </a:lnRef>
+          <a:fillRef idx="1">
+            <a:schemeClr val="accent1"/>
+          </a:fillRef>
+          <a:effectRef idx="0">
+            <a:schemeClr val="accent1"/>
+          </a:effectRef>
+          <a:fontRef idx="minor">
+            <a:schemeClr val="lt1"/>
+          </a:fontRef>
+        </p:style>
+        <p:txBody>
+          <a:bodyPr rtlCol="0" anchor="ctr"/>
+          <a:lstStyle/>
+          <a:p>
+            <a:pPr algn="ctr"/>
+            <a:endParaRPr lang="zh-CN" altLang="en-US"/>
+          </a:p>
+        </p:txBody>
+      </p:sp>
+    </p:spTree>
+  </p:cSld>
+  <p:clrMapOvr>
+    <a:masterClrMapping/>
+  </p:clrMapOvr>
+  <p:timing>
+    <p:tnLst>
+      <p:par>
+        <p:cTn id="1" dur="indefinite" restart="never" nodeType="tmRoot"/>
+      </p:par>
+    </p:tnLst>
+  </p:timing>
+</p:sld>
+</file>
+
+<file path=ppt/slides/slide5.xml><?xml version="1.0" encoding="utf-8"?>
+<p:sld xmlns:a="http://schemas.openxmlformats.org/drawingml/2006/main" xmlns:r="http://schemas.openxmlformats.org/officeDocument/2006/relationships" xmlns:p="http://schemas.openxmlformats.org/presentationml/2006/main">
+  <p:cSld>
+    <p:spTree>
+      <p:nvGrpSpPr>
+        <p:cNvPr id="1" name=""/>
+        <p:cNvGrpSpPr/>
+        <p:nvPr/>
+      </p:nvGrpSpPr>
+      <p:grpSpPr>
+        <a:xfrm>
+          <a:off x="0" y="0"/>
+          <a:ext cx="0" cy="0"/>
+          <a:chOff x="0" y="0"/>
+          <a:chExt cx="0" cy="0"/>
+        </a:xfrm>
+      </p:grpSpPr>
+      <p:pic>
+        <p:nvPicPr>
+          <p:cNvPr id="1026" name="Picture 2" descr="E:\Previous Work\crowd-2014\exp3.png"/>
+          <p:cNvPicPr>
+            <a:picLocks noChangeAspect="1" noChangeArrowheads="1"/>
+          </p:cNvPicPr>
+          <p:nvPr/>
+        </p:nvPicPr>
+        <p:blipFill>
+          <a:blip r:embed="rId2" cstate="print"/>
+          <a:srcRect/>
+          <a:stretch>
+            <a:fillRect/>
+          </a:stretch>
+        </p:blipFill>
+        <p:spPr bwMode="auto">
+          <a:xfrm>
+            <a:off x="899592" y="188640"/>
+            <a:ext cx="6984776" cy="6328587"/>
+          </a:xfrm>
+          <a:prstGeom prst="rect">
+            <a:avLst/>
+          </a:prstGeom>
+          <a:noFill/>
+        </p:spPr>
+      </p:pic>
+      <p:sp>
+        <p:nvSpPr>
+          <p:cNvPr id="5" name="椭圆 4"/>
+          <p:cNvSpPr/>
+          <p:nvPr/>
+        </p:nvSpPr>
+        <p:spPr>
+          <a:xfrm>
+            <a:off x="6931330" y="2636912"/>
+            <a:ext cx="144016" cy="144016"/>
+          </a:xfrm>
+          <a:prstGeom prst="ellipse">
+            <a:avLst/>
+          </a:prstGeom>
+          <a:solidFill>
+            <a:srgbClr val="FF0000"/>
+          </a:solidFill>
+          <a:ln>
+            <a:solidFill>
+              <a:schemeClr val="tx1"/>
+            </a:solidFill>
+          </a:ln>
+        </p:spPr>
+        <p:style>
+          <a:lnRef idx="2">
+            <a:schemeClr val="accent1">
+              <a:shade val="50000"/>
+            </a:schemeClr>
+          </a:lnRef>
+          <a:fillRef idx="1">
+            <a:schemeClr val="accent1"/>
+          </a:fillRef>
+          <a:effectRef idx="0">
+            <a:schemeClr val="accent1"/>
+          </a:effectRef>
+          <a:fontRef idx="minor">
+            <a:schemeClr val="lt1"/>
+          </a:fontRef>
+        </p:style>
+        <p:txBody>
+          <a:bodyPr rtlCol="0" anchor="ctr"/>
+          <a:lstStyle/>
+          <a:p>
+            <a:pPr algn="ctr"/>
+            <a:endParaRPr lang="zh-CN" altLang="en-US"/>
+          </a:p>
+        </p:txBody>
+      </p:sp>
+      <p:sp>
+        <p:nvSpPr>
+          <p:cNvPr id="6" name="椭圆 5"/>
+          <p:cNvSpPr/>
+          <p:nvPr/>
+        </p:nvSpPr>
+        <p:spPr>
+          <a:xfrm>
+            <a:off x="6804248" y="4653136"/>
+            <a:ext cx="144016" cy="144016"/>
+          </a:xfrm>
+          <a:prstGeom prst="ellipse">
+            <a:avLst/>
+          </a:prstGeom>
+          <a:solidFill>
+            <a:srgbClr val="FF0000"/>
+          </a:solidFill>
+          <a:ln>
+            <a:solidFill>
+              <a:schemeClr val="tx1"/>
+            </a:solidFill>
+          </a:ln>
+        </p:spPr>
+        <p:style>
+          <a:lnRef idx="2">
+            <a:schemeClr val="accent1">
+              <a:shade val="50000"/>
+            </a:schemeClr>
+          </a:lnRef>
+          <a:fillRef idx="1">
+            <a:schemeClr val="accent1"/>
+          </a:fillRef>
+          <a:effectRef idx="0">
+            <a:schemeClr val="accent1"/>
+          </a:effectRef>
+          <a:fontRef idx="minor">
+            <a:schemeClr val="lt1"/>
+          </a:fontRef>
+        </p:style>
+        <p:txBody>
+          <a:bodyPr rtlCol="0" anchor="ctr"/>
+          <a:lstStyle/>
+          <a:p>
+            <a:pPr algn="ctr"/>
+            <a:endParaRPr lang="zh-CN" altLang="en-US"/>
+          </a:p>
+        </p:txBody>
+      </p:sp>
+      <p:sp>
+        <p:nvSpPr>
+          <p:cNvPr id="7" name="椭圆 6"/>
+          <p:cNvSpPr/>
+          <p:nvPr/>
+        </p:nvSpPr>
+        <p:spPr>
+          <a:xfrm>
+            <a:off x="6084168" y="5949280"/>
+            <a:ext cx="144016" cy="144016"/>
+          </a:xfrm>
+          <a:prstGeom prst="ellipse">
+            <a:avLst/>
+          </a:prstGeom>
+          <a:solidFill>
+            <a:srgbClr val="FF0000"/>
+          </a:solidFill>
+          <a:ln>
+            <a:solidFill>
+              <a:schemeClr val="tx1"/>
+            </a:solidFill>
+          </a:ln>
+        </p:spPr>
+        <p:style>
+          <a:lnRef idx="2">
+            <a:schemeClr val="accent1">
+              <a:shade val="50000"/>
+            </a:schemeClr>
+          </a:lnRef>
+          <a:fillRef idx="1">
+            <a:schemeClr val="accent1"/>
+          </a:fillRef>
+          <a:effectRef idx="0">
+            <a:schemeClr val="accent1"/>
+          </a:effectRef>
+          <a:fontRef idx="minor">
+            <a:schemeClr val="lt1"/>
+          </a:fontRef>
+        </p:style>
+        <p:txBody>
+          <a:bodyPr rtlCol="0" anchor="ctr"/>
+          <a:lstStyle/>
+          <a:p>
+            <a:pPr algn="ctr"/>
+            <a:endParaRPr lang="zh-CN" altLang="en-US"/>
+          </a:p>
+        </p:txBody>
+      </p:sp>
+      <p:sp>
+        <p:nvSpPr>
+          <p:cNvPr id="8" name="椭圆 7"/>
+          <p:cNvSpPr/>
+          <p:nvPr/>
+        </p:nvSpPr>
+        <p:spPr>
+          <a:xfrm>
+            <a:off x="2475301" y="6254246"/>
+            <a:ext cx="144016" cy="144016"/>
+          </a:xfrm>
+          <a:prstGeom prst="ellipse">
+            <a:avLst/>
+          </a:prstGeom>
+          <a:solidFill>
+            <a:srgbClr val="FF0000"/>
+          </a:solidFill>
+          <a:ln>
+            <a:solidFill>
+              <a:schemeClr val="tx1"/>
+            </a:solidFill>
+          </a:ln>
+        </p:spPr>
+        <p:style>
+          <a:lnRef idx="2">
+            <a:schemeClr val="accent1">
+              <a:shade val="50000"/>
+            </a:schemeClr>
+          </a:lnRef>
+          <a:fillRef idx="1">
+            <a:schemeClr val="accent1"/>
+          </a:fillRef>
+          <a:effectRef idx="0">
+            <a:schemeClr val="accent1"/>
+          </a:effectRef>
+          <a:fontRef idx="minor">
+            <a:schemeClr val="lt1"/>
+          </a:fontRef>
+        </p:style>
+        <p:txBody>
+          <a:bodyPr rtlCol="0" anchor="ctr"/>
+          <a:lstStyle/>
+          <a:p>
+            <a:pPr algn="ctr"/>
+            <a:endParaRPr lang="zh-CN" altLang="en-US"/>
+          </a:p>
+        </p:txBody>
+      </p:sp>
+      <p:sp>
+        <p:nvSpPr>
+          <p:cNvPr id="9" name="椭圆 8"/>
+          <p:cNvSpPr/>
+          <p:nvPr/>
+        </p:nvSpPr>
+        <p:spPr>
+          <a:xfrm>
+            <a:off x="6664504" y="4809891"/>
+            <a:ext cx="144016" cy="144016"/>
+          </a:xfrm>
+          <a:prstGeom prst="ellipse">
+            <a:avLst/>
+          </a:prstGeom>
+          <a:solidFill>
+            <a:srgbClr val="00FF00"/>
+          </a:solidFill>
+          <a:ln>
+            <a:solidFill>
+              <a:schemeClr val="tx1"/>
+            </a:solidFill>
+          </a:ln>
+        </p:spPr>
+        <p:style>
+          <a:lnRef idx="2">
+            <a:schemeClr val="accent1">
+              <a:shade val="50000"/>
+            </a:schemeClr>
+          </a:lnRef>
+          <a:fillRef idx="1">
+            <a:schemeClr val="accent1"/>
+          </a:fillRef>
+          <a:effectRef idx="0">
+            <a:schemeClr val="accent1"/>
+          </a:effectRef>
+          <a:fontRef idx="minor">
+            <a:schemeClr val="lt1"/>
+          </a:fontRef>
+        </p:style>
+        <p:txBody>
+          <a:bodyPr rtlCol="0" anchor="ctr"/>
+          <a:lstStyle/>
+          <a:p>
+            <a:pPr algn="ctr"/>
+            <a:endParaRPr lang="zh-CN" altLang="en-US"/>
+          </a:p>
+        </p:txBody>
+      </p:sp>
+      <p:sp>
+        <p:nvSpPr>
+          <p:cNvPr id="10" name="椭圆 9"/>
+          <p:cNvSpPr/>
+          <p:nvPr/>
+        </p:nvSpPr>
+        <p:spPr>
+          <a:xfrm>
+            <a:off x="5508104" y="4869160"/>
+            <a:ext cx="144016" cy="144016"/>
+          </a:xfrm>
+          <a:prstGeom prst="ellipse">
+            <a:avLst/>
+          </a:prstGeom>
+          <a:solidFill>
+            <a:srgbClr val="00FF00"/>
+          </a:solidFill>
+          <a:ln>
+            <a:solidFill>
+              <a:schemeClr val="tx1"/>
+            </a:solidFill>
+          </a:ln>
+        </p:spPr>
+        <p:style>
+          <a:lnRef idx="2">
+            <a:schemeClr val="accent1">
+              <a:shade val="50000"/>
+            </a:schemeClr>
+          </a:lnRef>
+          <a:fillRef idx="1">
+            <a:schemeClr val="accent1"/>
+          </a:fillRef>
+          <a:effectRef idx="0">
+            <a:schemeClr val="accent1"/>
+          </a:effectRef>
+          <a:fontRef idx="minor">
+            <a:schemeClr val="lt1"/>
+          </a:fontRef>
+        </p:style>
+        <p:txBody>
+          <a:bodyPr rtlCol="0" anchor="ctr"/>
+          <a:lstStyle/>
+          <a:p>
+            <a:pPr algn="ctr"/>
+            <a:endParaRPr lang="zh-CN" altLang="en-US"/>
+          </a:p>
+        </p:txBody>
+      </p:sp>
+      <p:sp>
+        <p:nvSpPr>
+          <p:cNvPr id="11" name="椭圆 10"/>
+          <p:cNvSpPr/>
+          <p:nvPr/>
+        </p:nvSpPr>
+        <p:spPr>
+          <a:xfrm>
+            <a:off x="4283968" y="4941168"/>
+            <a:ext cx="144016" cy="144016"/>
+          </a:xfrm>
+          <a:prstGeom prst="ellipse">
+            <a:avLst/>
+          </a:prstGeom>
+          <a:solidFill>
+            <a:srgbClr val="00FF00"/>
+          </a:solidFill>
+          <a:ln>
+            <a:solidFill>
+              <a:schemeClr val="tx1"/>
+            </a:solidFill>
+          </a:ln>
+        </p:spPr>
+        <p:style>
+          <a:lnRef idx="2">
+            <a:schemeClr val="accent1">
+              <a:shade val="50000"/>
+            </a:schemeClr>
+          </a:lnRef>
+          <a:fillRef idx="1">
+            <a:schemeClr val="accent1"/>
+          </a:fillRef>
+          <a:effectRef idx="0">
+            <a:schemeClr val="accent1"/>
+          </a:effectRef>
+          <a:fontRef idx="minor">
+            <a:schemeClr val="lt1"/>
+          </a:fontRef>
+        </p:style>
+        <p:txBody>
+          <a:bodyPr rtlCol="0" anchor="ctr"/>
+          <a:lstStyle/>
+          <a:p>
+            <a:pPr algn="ctr"/>
+            <a:endParaRPr lang="zh-CN" altLang="en-US"/>
+          </a:p>
+        </p:txBody>
+      </p:sp>
+      <p:sp>
+        <p:nvSpPr>
+          <p:cNvPr id="12" name="椭圆 11"/>
+          <p:cNvSpPr/>
+          <p:nvPr/>
+        </p:nvSpPr>
+        <p:spPr>
+          <a:xfrm>
+            <a:off x="3169980" y="4805619"/>
+            <a:ext cx="144016" cy="144016"/>
+          </a:xfrm>
+          <a:prstGeom prst="ellipse">
+            <a:avLst/>
+          </a:prstGeom>
+          <a:solidFill>
+            <a:srgbClr val="00FF00"/>
+          </a:solidFill>
+          <a:ln>
+            <a:solidFill>
+              <a:schemeClr val="tx1"/>
+            </a:solidFill>
+          </a:ln>
+        </p:spPr>
+        <p:style>
+          <a:lnRef idx="2">
+            <a:schemeClr val="accent1">
+              <a:shade val="50000"/>
+            </a:schemeClr>
+          </a:lnRef>
+          <a:fillRef idx="1">
+            <a:schemeClr val="accent1"/>
+          </a:fillRef>
+          <a:effectRef idx="0">
+            <a:schemeClr val="accent1"/>
+          </a:effectRef>
+          <a:fontRef idx="minor">
+            <a:schemeClr val="lt1"/>
+          </a:fontRef>
+        </p:style>
+        <p:txBody>
+          <a:bodyPr rtlCol="0" anchor="ctr"/>
+          <a:lstStyle/>
+          <a:p>
+            <a:pPr algn="ctr"/>
+            <a:endParaRPr lang="zh-CN" altLang="en-US"/>
+          </a:p>
+        </p:txBody>
+      </p:sp>
+      <p:sp>
+        <p:nvSpPr>
+          <p:cNvPr id="13" name="椭圆 12"/>
+          <p:cNvSpPr/>
+          <p:nvPr/>
+        </p:nvSpPr>
+        <p:spPr>
+          <a:xfrm>
+            <a:off x="1259632" y="2996952"/>
+            <a:ext cx="144016" cy="144016"/>
+          </a:xfrm>
+          <a:prstGeom prst="ellipse">
+            <a:avLst/>
+          </a:prstGeom>
+          <a:solidFill>
+            <a:srgbClr val="0000FF"/>
+          </a:solidFill>
+          <a:ln>
+            <a:solidFill>
+              <a:schemeClr val="tx1"/>
+            </a:solidFill>
+          </a:ln>
+        </p:spPr>
+        <p:style>
+          <a:lnRef idx="2">
+            <a:schemeClr val="accent1">
+              <a:shade val="50000"/>
+            </a:schemeClr>
+          </a:lnRef>
+          <a:fillRef idx="1">
+            <a:schemeClr val="accent1"/>
+          </a:fillRef>
+          <a:effectRef idx="0">
+            <a:schemeClr val="accent1"/>
+          </a:effectRef>
+          <a:fontRef idx="minor">
+            <a:schemeClr val="lt1"/>
+          </a:fontRef>
+        </p:style>
+        <p:txBody>
+          <a:bodyPr rtlCol="0" anchor="ctr"/>
+          <a:lstStyle/>
+          <a:p>
+            <a:pPr algn="ctr"/>
+            <a:endParaRPr lang="zh-CN" altLang="en-US"/>
+          </a:p>
+        </p:txBody>
+      </p:sp>
+      <p:sp>
+        <p:nvSpPr>
+          <p:cNvPr id="14" name="椭圆 13"/>
+          <p:cNvSpPr/>
+          <p:nvPr/>
+        </p:nvSpPr>
+        <p:spPr>
+          <a:xfrm>
+            <a:off x="1683213" y="3789040"/>
+            <a:ext cx="144016" cy="144016"/>
+          </a:xfrm>
+          <a:prstGeom prst="ellipse">
+            <a:avLst/>
+          </a:prstGeom>
+          <a:solidFill>
+            <a:srgbClr val="0000FF"/>
+          </a:solidFill>
+          <a:ln>
+            <a:solidFill>
+              <a:schemeClr val="tx1"/>
+            </a:solidFill>
+          </a:ln>
+        </p:spPr>
+        <p:style>
+          <a:lnRef idx="2">
+            <a:schemeClr val="accent1">
+              <a:shade val="50000"/>
+            </a:schemeClr>
+          </a:lnRef>
+          <a:fillRef idx="1">
+            <a:schemeClr val="accent1"/>
+          </a:fillRef>
+          <a:effectRef idx="0">
+            <a:schemeClr val="accent1"/>
+          </a:effectRef>
+          <a:fontRef idx="minor">
+            <a:schemeClr val="lt1"/>
+          </a:fontRef>
+        </p:style>
+        <p:txBody>
+          <a:bodyPr rtlCol="0" anchor="ctr"/>
+          <a:lstStyle/>
+          <a:p>
+            <a:pPr algn="ctr"/>
+            <a:endParaRPr lang="zh-CN" altLang="en-US"/>
+          </a:p>
+        </p:txBody>
+      </p:sp>
+      <p:sp>
+        <p:nvSpPr>
+          <p:cNvPr id="15" name="椭圆 14"/>
+          <p:cNvSpPr/>
+          <p:nvPr/>
+        </p:nvSpPr>
+        <p:spPr>
+          <a:xfrm>
+            <a:off x="1691680" y="4894561"/>
+            <a:ext cx="144016" cy="144016"/>
+          </a:xfrm>
+          <a:prstGeom prst="ellipse">
+            <a:avLst/>
+          </a:prstGeom>
+          <a:solidFill>
+            <a:srgbClr val="00FFFF"/>
+          </a:solidFill>
+          <a:ln>
+            <a:solidFill>
+              <a:schemeClr val="tx1"/>
+            </a:solidFill>
+          </a:ln>
+        </p:spPr>
+        <p:style>
+          <a:lnRef idx="2">
+            <a:schemeClr val="accent1">
+              <a:shade val="50000"/>
+            </a:schemeClr>
+          </a:lnRef>
+          <a:fillRef idx="1">
+            <a:schemeClr val="accent1"/>
+          </a:fillRef>
+          <a:effectRef idx="0">
+            <a:schemeClr val="accent1"/>
+          </a:effectRef>
+          <a:fontRef idx="minor">
+            <a:schemeClr val="lt1"/>
+          </a:fontRef>
+        </p:style>
+        <p:txBody>
+          <a:bodyPr rtlCol="0" anchor="ctr"/>
+          <a:lstStyle/>
+          <a:p>
+            <a:pPr algn="ctr"/>
+            <a:endParaRPr lang="zh-CN" altLang="en-US" dirty="0"/>
+          </a:p>
+        </p:txBody>
+      </p:sp>
+      <p:sp>
+        <p:nvSpPr>
+          <p:cNvPr id="16" name="椭圆 15"/>
+          <p:cNvSpPr/>
+          <p:nvPr/>
+        </p:nvSpPr>
+        <p:spPr>
+          <a:xfrm>
+            <a:off x="5148064" y="1988840"/>
+            <a:ext cx="144016" cy="144016"/>
+          </a:xfrm>
+          <a:prstGeom prst="ellipse">
+            <a:avLst/>
+          </a:prstGeom>
+          <a:solidFill>
+            <a:srgbClr val="00FFFF"/>
+          </a:solidFill>
+          <a:ln>
+            <a:solidFill>
+              <a:schemeClr val="tx1"/>
+            </a:solidFill>
+          </a:ln>
+        </p:spPr>
+        <p:style>
+          <a:lnRef idx="2">
+            <a:schemeClr val="accent1">
+              <a:shade val="50000"/>
+            </a:schemeClr>
+          </a:lnRef>
+          <a:fillRef idx="1">
+            <a:schemeClr val="accent1"/>
+          </a:fillRef>
+          <a:effectRef idx="0">
+            <a:schemeClr val="accent1"/>
+          </a:effectRef>
+          <a:fontRef idx="minor">
+            <a:schemeClr val="lt1"/>
+          </a:fontRef>
+        </p:style>
+        <p:txBody>
+          <a:bodyPr rtlCol="0" anchor="ctr"/>
+          <a:lstStyle/>
+          <a:p>
+            <a:pPr algn="ctr"/>
+            <a:endParaRPr lang="zh-CN" altLang="en-US" dirty="0"/>
+          </a:p>
+        </p:txBody>
+      </p:sp>
+      <p:sp>
+        <p:nvSpPr>
+          <p:cNvPr id="17" name="椭圆 16"/>
+          <p:cNvSpPr/>
+          <p:nvPr/>
+        </p:nvSpPr>
+        <p:spPr>
+          <a:xfrm>
+            <a:off x="4067944" y="1844824"/>
+            <a:ext cx="144016" cy="144016"/>
+          </a:xfrm>
+          <a:prstGeom prst="ellipse">
+            <a:avLst/>
+          </a:prstGeom>
+          <a:solidFill>
+            <a:srgbClr val="FF66FF"/>
+          </a:solidFill>
+          <a:ln>
+            <a:solidFill>
+              <a:schemeClr val="tx1"/>
+            </a:solidFill>
+          </a:ln>
+        </p:spPr>
+        <p:style>
+          <a:lnRef idx="2">
+            <a:schemeClr val="accent1">
+              <a:shade val="50000"/>
+            </a:schemeClr>
+          </a:lnRef>
+          <a:fillRef idx="1">
+            <a:schemeClr val="accent1"/>
+          </a:fillRef>
+          <a:effectRef idx="0">
+            <a:schemeClr val="accent1"/>
+          </a:effectRef>
+          <a:fontRef idx="minor">
+            <a:schemeClr val="lt1"/>
+          </a:fontRef>
+        </p:style>
+        <p:txBody>
+          <a:bodyPr rtlCol="0" anchor="ctr"/>
+          <a:lstStyle/>
+          <a:p>
+            <a:pPr algn="ctr"/>
+            <a:endParaRPr lang="zh-CN" altLang="en-US" dirty="0"/>
+          </a:p>
+        </p:txBody>
+      </p:sp>
+      <p:sp>
+        <p:nvSpPr>
+          <p:cNvPr id="18" name="五角星 17"/>
+          <p:cNvSpPr/>
+          <p:nvPr/>
+        </p:nvSpPr>
+        <p:spPr>
+          <a:xfrm>
+            <a:off x="1403648" y="620688"/>
+            <a:ext cx="241425" cy="241425"/>
+          </a:xfrm>
+          <a:prstGeom prst="star5">
+            <a:avLst/>
+          </a:prstGeom>
+          <a:solidFill>
+            <a:srgbClr val="0000FF"/>
+          </a:solidFill>
+          <a:ln>
+            <a:noFill/>
+          </a:ln>
+        </p:spPr>
+        <p:style>
+          <a:lnRef idx="2">
+            <a:schemeClr val="accent1">
+              <a:shade val="50000"/>
+            </a:schemeClr>
+          </a:lnRef>
+          <a:fillRef idx="1">
+            <a:schemeClr val="accent1"/>
+          </a:fillRef>
+          <a:effectRef idx="0">
+            <a:schemeClr val="accent1"/>
+          </a:effectRef>
+          <a:fontRef idx="minor">
+            <a:schemeClr val="lt1"/>
+          </a:fontRef>
+        </p:style>
+        <p:txBody>
+          <a:bodyPr rtlCol="0" anchor="ctr"/>
+          <a:lstStyle/>
+          <a:p>
+            <a:pPr algn="ctr"/>
+            <a:endParaRPr lang="zh-CN" altLang="en-US"/>
+          </a:p>
+        </p:txBody>
+      </p:sp>
+      <p:sp>
+        <p:nvSpPr>
+          <p:cNvPr id="19" name="五角星 18"/>
+          <p:cNvSpPr/>
+          <p:nvPr/>
+        </p:nvSpPr>
+        <p:spPr>
+          <a:xfrm>
+            <a:off x="7541262" y="1683874"/>
+            <a:ext cx="241425" cy="241425"/>
+          </a:xfrm>
+          <a:prstGeom prst="star5">
+            <a:avLst/>
+          </a:prstGeom>
+          <a:solidFill>
+            <a:srgbClr val="FF0000"/>
+          </a:solidFill>
+          <a:ln>
+            <a:noFill/>
+          </a:ln>
+        </p:spPr>
+        <p:style>
+          <a:lnRef idx="2">
+            <a:schemeClr val="accent1">
+              <a:shade val="50000"/>
+            </a:schemeClr>
+          </a:lnRef>
+          <a:fillRef idx="1">
+            <a:schemeClr val="accent1"/>
+          </a:fillRef>
+          <a:effectRef idx="0">
+            <a:schemeClr val="accent1"/>
+          </a:effectRef>
+          <a:fontRef idx="minor">
+            <a:schemeClr val="lt1"/>
+          </a:fontRef>
+        </p:style>
+        <p:txBody>
+          <a:bodyPr rtlCol="0" anchor="ctr"/>
+          <a:lstStyle/>
+          <a:p>
+            <a:pPr algn="ctr"/>
+            <a:endParaRPr lang="zh-CN" altLang="en-US"/>
+          </a:p>
+        </p:txBody>
+      </p:sp>
+      <p:sp>
+        <p:nvSpPr>
+          <p:cNvPr id="20" name="五角星 19"/>
+          <p:cNvSpPr/>
+          <p:nvPr/>
+        </p:nvSpPr>
+        <p:spPr>
+          <a:xfrm>
+            <a:off x="2204203" y="6131436"/>
+            <a:ext cx="241425" cy="241425"/>
+          </a:xfrm>
+          <a:prstGeom prst="star5">
+            <a:avLst/>
+          </a:prstGeom>
+          <a:solidFill>
+            <a:srgbClr val="00FF00"/>
+          </a:solidFill>
+          <a:ln>
+            <a:noFill/>
+          </a:ln>
+        </p:spPr>
+        <p:style>
+          <a:lnRef idx="2">
+            <a:schemeClr val="accent1">
+              <a:shade val="50000"/>
+            </a:schemeClr>
+          </a:lnRef>
+          <a:fillRef idx="1">
+            <a:schemeClr val="accent1"/>
+          </a:fillRef>
+          <a:effectRef idx="0">
+            <a:schemeClr val="accent1"/>
+          </a:effectRef>
+          <a:fontRef idx="minor">
+            <a:schemeClr val="lt1"/>
+          </a:fontRef>
+        </p:style>
+        <p:txBody>
+          <a:bodyPr rtlCol="0" anchor="ctr"/>
+          <a:lstStyle/>
+          <a:p>
+            <a:pPr algn="ctr"/>
+            <a:endParaRPr lang="zh-CN" altLang="en-US"/>
+          </a:p>
+        </p:txBody>
+      </p:sp>
+      <p:sp>
+        <p:nvSpPr>
+          <p:cNvPr id="21" name="五角星 20"/>
+          <p:cNvSpPr/>
+          <p:nvPr/>
+        </p:nvSpPr>
+        <p:spPr>
+          <a:xfrm>
+            <a:off x="2305884" y="6338993"/>
+            <a:ext cx="241425" cy="241425"/>
+          </a:xfrm>
+          <a:prstGeom prst="star5">
+            <a:avLst/>
+          </a:prstGeom>
+          <a:solidFill>
+            <a:srgbClr val="00FFFF"/>
+          </a:solidFill>
+          <a:ln>
+            <a:noFill/>
+          </a:ln>
+        </p:spPr>
+        <p:style>
+          <a:lnRef idx="2">
+            <a:schemeClr val="accent1">
+              <a:shade val="50000"/>
+            </a:schemeClr>
+          </a:lnRef>
+          <a:fillRef idx="1">
+            <a:schemeClr val="accent1"/>
+          </a:fillRef>
+          <a:effectRef idx="0">
+            <a:schemeClr val="accent1"/>
+          </a:effectRef>
+          <a:fontRef idx="minor">
+            <a:schemeClr val="lt1"/>
+          </a:fontRef>
+        </p:style>
+        <p:txBody>
+          <a:bodyPr rtlCol="0" anchor="ctr"/>
+          <a:lstStyle/>
+          <a:p>
+            <a:pPr algn="ctr"/>
+            <a:endParaRPr lang="zh-CN" altLang="en-US"/>
+          </a:p>
+        </p:txBody>
+      </p:sp>
+    </p:spTree>
+  </p:cSld>
+  <p:clrMapOvr>
+    <a:masterClrMapping/>
+  </p:clrMapOvr>
+</p:sld>
+</file>
+
+<file path=ppt/slides/slide6.xml><?xml version="1.0" encoding="utf-8"?>
+<p:sld xmlns:a="http://schemas.openxmlformats.org/drawingml/2006/main" xmlns:r="http://schemas.openxmlformats.org/officeDocument/2006/relationships" xmlns:p="http://schemas.openxmlformats.org/presentationml/2006/main">
+  <p:cSld>
+    <p:spTree>
+      <p:nvGrpSpPr>
+        <p:cNvPr id="1" name=""/>
+        <p:cNvGrpSpPr/>
+        <p:nvPr/>
+      </p:nvGrpSpPr>
+      <p:grpSpPr>
+        <a:xfrm>
+          <a:off x="0" y="0"/>
+          <a:ext cx="0" cy="0"/>
+          <a:chOff x="0" y="0"/>
+          <a:chExt cx="0" cy="0"/>
+        </a:xfrm>
+      </p:grpSpPr>
+      <p:pic>
+        <p:nvPicPr>
+          <p:cNvPr id="2050" name="Picture 2" descr="E:\Previous Work\crowd-2014\weirds2.png"/>
+          <p:cNvPicPr>
+            <a:picLocks noChangeAspect="1" noChangeArrowheads="1"/>
+          </p:cNvPicPr>
+          <p:nvPr/>
+        </p:nvPicPr>
+        <p:blipFill>
+          <a:blip r:embed="rId2" cstate="print"/>
+          <a:srcRect/>
+          <a:stretch>
+            <a:fillRect/>
+          </a:stretch>
+        </p:blipFill>
+        <p:spPr bwMode="auto">
+          <a:xfrm>
+            <a:off x="1187624" y="620688"/>
+            <a:ext cx="6480720" cy="5798183"/>
+          </a:xfrm>
+          <a:prstGeom prst="rect">
+            <a:avLst/>
+          </a:prstGeom>
+          <a:noFill/>
+        </p:spPr>
+      </p:pic>
+      <p:sp>
+        <p:nvSpPr>
+          <p:cNvPr id="5" name="五角星 4"/>
+          <p:cNvSpPr/>
+          <p:nvPr/>
+        </p:nvSpPr>
+        <p:spPr>
+          <a:xfrm>
+            <a:off x="1979712" y="4005064"/>
+            <a:ext cx="241425" cy="241425"/>
+          </a:xfrm>
+          <a:prstGeom prst="star5">
+            <a:avLst/>
+          </a:prstGeom>
+          <a:solidFill>
+            <a:srgbClr val="FF0000"/>
+          </a:solidFill>
+          <a:ln>
+            <a:noFill/>
+          </a:ln>
+        </p:spPr>
+        <p:style>
+          <a:lnRef idx="2">
+            <a:schemeClr val="accent1">
+              <a:shade val="50000"/>
+            </a:schemeClr>
+          </a:lnRef>
+          <a:fillRef idx="1">
+            <a:schemeClr val="accent1"/>
+          </a:fillRef>
+          <a:effectRef idx="0">
+            <a:schemeClr val="accent1"/>
+          </a:effectRef>
+          <a:fontRef idx="minor">
+            <a:schemeClr val="lt1"/>
+          </a:fontRef>
+        </p:style>
+        <p:txBody>
+          <a:bodyPr rtlCol="0" anchor="ctr"/>
+          <a:lstStyle/>
+          <a:p>
+            <a:pPr algn="ctr"/>
+            <a:endParaRPr lang="zh-CN" altLang="en-US"/>
+          </a:p>
+        </p:txBody>
+      </p:sp>
+      <p:sp>
+        <p:nvSpPr>
+          <p:cNvPr id="6" name="五角星 5"/>
+          <p:cNvSpPr/>
+          <p:nvPr/>
+        </p:nvSpPr>
+        <p:spPr>
+          <a:xfrm>
+            <a:off x="1729820" y="1095071"/>
+            <a:ext cx="241425" cy="241425"/>
+          </a:xfrm>
+          <a:prstGeom prst="star5">
+            <a:avLst/>
+          </a:prstGeom>
+          <a:solidFill>
+            <a:srgbClr val="00FF00"/>
+          </a:solidFill>
+          <a:ln>
+            <a:noFill/>
+          </a:ln>
+        </p:spPr>
+        <p:style>
+          <a:lnRef idx="2">
+            <a:schemeClr val="accent1">
+              <a:shade val="50000"/>
+            </a:schemeClr>
+          </a:lnRef>
+          <a:fillRef idx="1">
+            <a:schemeClr val="accent1"/>
+          </a:fillRef>
+          <a:effectRef idx="0">
+            <a:schemeClr val="accent1"/>
+          </a:effectRef>
+          <a:fontRef idx="minor">
+            <a:schemeClr val="lt1"/>
+          </a:fontRef>
+        </p:style>
+        <p:txBody>
+          <a:bodyPr rtlCol="0" anchor="ctr"/>
+          <a:lstStyle/>
+          <a:p>
+            <a:pPr algn="ctr"/>
+            <a:endParaRPr lang="zh-CN" altLang="en-US"/>
+          </a:p>
+        </p:txBody>
+      </p:sp>
+      <p:sp>
+        <p:nvSpPr>
+          <p:cNvPr id="7" name="五角星 6"/>
+          <p:cNvSpPr/>
+          <p:nvPr/>
+        </p:nvSpPr>
+        <p:spPr>
+          <a:xfrm>
+            <a:off x="7426919" y="2052381"/>
+            <a:ext cx="241425" cy="241425"/>
+          </a:xfrm>
+          <a:prstGeom prst="star5">
+            <a:avLst/>
+          </a:prstGeom>
+          <a:solidFill>
+            <a:srgbClr val="0000FF"/>
+          </a:solidFill>
+          <a:ln>
+            <a:noFill/>
+          </a:ln>
+        </p:spPr>
+        <p:style>
+          <a:lnRef idx="2">
+            <a:schemeClr val="accent1">
+              <a:shade val="50000"/>
+            </a:schemeClr>
+          </a:lnRef>
+          <a:fillRef idx="1">
+            <a:schemeClr val="accent1"/>
+          </a:fillRef>
+          <a:effectRef idx="0">
+            <a:schemeClr val="accent1"/>
+          </a:effectRef>
+          <a:fontRef idx="minor">
+            <a:schemeClr val="lt1"/>
+          </a:fontRef>
+        </p:style>
+        <p:txBody>
+          <a:bodyPr rtlCol="0" anchor="ctr"/>
+          <a:lstStyle/>
+          <a:p>
+            <a:pPr algn="ctr"/>
+            <a:endParaRPr lang="zh-CN" altLang="en-US"/>
+          </a:p>
+        </p:txBody>
+      </p:sp>
+      <p:sp>
+        <p:nvSpPr>
+          <p:cNvPr id="8" name="五角星 7"/>
+          <p:cNvSpPr/>
+          <p:nvPr/>
+        </p:nvSpPr>
+        <p:spPr>
+          <a:xfrm>
+            <a:off x="7261697" y="2052381"/>
+            <a:ext cx="241425" cy="241425"/>
+          </a:xfrm>
+          <a:prstGeom prst="star5">
+            <a:avLst/>
+          </a:prstGeom>
+          <a:solidFill>
+            <a:srgbClr val="FF66FF"/>
+          </a:solidFill>
+          <a:ln>
+            <a:noFill/>
+          </a:ln>
+        </p:spPr>
+        <p:style>
+          <a:lnRef idx="2">
+            <a:schemeClr val="accent1">
+              <a:shade val="50000"/>
+            </a:schemeClr>
+          </a:lnRef>
+          <a:fillRef idx="1">
+            <a:schemeClr val="accent1"/>
+          </a:fillRef>
+          <a:effectRef idx="0">
+            <a:schemeClr val="accent1"/>
+          </a:effectRef>
+          <a:fontRef idx="minor">
+            <a:schemeClr val="lt1"/>
+          </a:fontRef>
+        </p:style>
+        <p:txBody>
+          <a:bodyPr rtlCol="0" anchor="ctr"/>
+          <a:lstStyle/>
+          <a:p>
+            <a:pPr algn="ctr"/>
+            <a:endParaRPr lang="zh-CN" altLang="en-US"/>
+          </a:p>
+        </p:txBody>
+      </p:sp>
+    </p:spTree>
+  </p:cSld>
+  <p:clrMapOvr>
+    <a:masterClrMapping/>
+  </p:clrMapOvr>
+</p:sld>
+</file>
+
+<file path=ppt/slides/slide7.xml><?xml version="1.0" encoding="utf-8"?>
+<p:sld xmlns:a="http://schemas.openxmlformats.org/drawingml/2006/main" xmlns:r="http://schemas.openxmlformats.org/officeDocument/2006/relationships" xmlns:p="http://schemas.openxmlformats.org/presentationml/2006/main">
+  <p:cSld>
+    <p:spTree>
+      <p:nvGrpSpPr>
+        <p:cNvPr id="1" name=""/>
+        <p:cNvGrpSpPr/>
+        <p:nvPr/>
+      </p:nvGrpSpPr>
+      <p:grpSpPr>
+        <a:xfrm>
+          <a:off x="0" y="0"/>
+          <a:ext cx="0" cy="0"/>
+          <a:chOff x="0" y="0"/>
+          <a:chExt cx="0" cy="0"/>
+        </a:xfrm>
+      </p:grpSpPr>
+      <p:pic>
+        <p:nvPicPr>
+          <p:cNvPr id="3076" name="Picture 4" descr="E:\Previous Work\crowd-2014\weirds2.png"/>
+          <p:cNvPicPr>
+            <a:picLocks noChangeAspect="1" noChangeArrowheads="1"/>
+          </p:cNvPicPr>
+          <p:nvPr/>
+        </p:nvPicPr>
+        <p:blipFill>
+          <a:blip r:embed="rId2" cstate="print"/>
+          <a:srcRect/>
+          <a:stretch>
+            <a:fillRect/>
+          </a:stretch>
+        </p:blipFill>
+        <p:spPr bwMode="auto">
+          <a:xfrm>
+            <a:off x="1259632" y="332656"/>
+            <a:ext cx="6095016" cy="5472683"/>
+          </a:xfrm>
+          <a:prstGeom prst="rect">
+            <a:avLst/>
+          </a:prstGeom>
+          <a:noFill/>
+        </p:spPr>
+      </p:pic>
+      <p:sp>
+        <p:nvSpPr>
+          <p:cNvPr id="5" name="五角星 4"/>
+          <p:cNvSpPr/>
+          <p:nvPr/>
+        </p:nvSpPr>
+        <p:spPr>
+          <a:xfrm>
+            <a:off x="1704419" y="768899"/>
+            <a:ext cx="241425" cy="241425"/>
+          </a:xfrm>
+          <a:prstGeom prst="star5">
+            <a:avLst/>
+          </a:prstGeom>
+          <a:solidFill>
+            <a:srgbClr val="00FF00"/>
+          </a:solidFill>
+          <a:ln>
+            <a:noFill/>
+          </a:ln>
+        </p:spPr>
+        <p:style>
+          <a:lnRef idx="2">
+            <a:schemeClr val="accent1">
+              <a:shade val="50000"/>
+            </a:schemeClr>
+          </a:lnRef>
+          <a:fillRef idx="1">
+            <a:schemeClr val="accent1"/>
+          </a:fillRef>
+          <a:effectRef idx="0">
+            <a:schemeClr val="accent1"/>
+          </a:effectRef>
+          <a:fontRef idx="minor">
+            <a:schemeClr val="lt1"/>
+          </a:fontRef>
+        </p:style>
+        <p:txBody>
+          <a:bodyPr rtlCol="0" anchor="ctr"/>
+          <a:lstStyle/>
+          <a:p>
+            <a:pPr algn="ctr"/>
+            <a:endParaRPr lang="zh-CN" altLang="en-US"/>
+          </a:p>
+        </p:txBody>
+      </p:sp>
+      <p:sp>
+        <p:nvSpPr>
+          <p:cNvPr id="6" name="五角星 5"/>
+          <p:cNvSpPr/>
+          <p:nvPr/>
+        </p:nvSpPr>
+        <p:spPr>
+          <a:xfrm>
+            <a:off x="1979712" y="3573016"/>
+            <a:ext cx="241425" cy="241425"/>
+          </a:xfrm>
+          <a:prstGeom prst="star5">
+            <a:avLst/>
+          </a:prstGeom>
+          <a:solidFill>
+            <a:srgbClr val="FF0000"/>
+          </a:solidFill>
+          <a:ln>
+            <a:noFill/>
+          </a:ln>
+        </p:spPr>
+        <p:style>
+          <a:lnRef idx="2">
+            <a:schemeClr val="accent1">
+              <a:shade val="50000"/>
+            </a:schemeClr>
+          </a:lnRef>
+          <a:fillRef idx="1">
+            <a:schemeClr val="accent1"/>
+          </a:fillRef>
+          <a:effectRef idx="0">
+            <a:schemeClr val="accent1"/>
+          </a:effectRef>
+          <a:fontRef idx="minor">
+            <a:schemeClr val="lt1"/>
+          </a:fontRef>
+        </p:style>
+        <p:txBody>
+          <a:bodyPr rtlCol="0" anchor="ctr"/>
+          <a:lstStyle/>
+          <a:p>
+            <a:pPr algn="ctr"/>
+            <a:endParaRPr lang="zh-CN" altLang="en-US"/>
+          </a:p>
+        </p:txBody>
+      </p:sp>
+      <p:sp>
+        <p:nvSpPr>
+          <p:cNvPr id="8" name="五角星 7"/>
+          <p:cNvSpPr/>
+          <p:nvPr/>
+        </p:nvSpPr>
+        <p:spPr>
+          <a:xfrm>
+            <a:off x="7020272" y="1628800"/>
+            <a:ext cx="241425" cy="241425"/>
+          </a:xfrm>
+          <a:prstGeom prst="star5">
+            <a:avLst/>
+          </a:prstGeom>
+          <a:solidFill>
+            <a:srgbClr val="0000FF"/>
+          </a:solidFill>
+          <a:ln>
+            <a:noFill/>
+          </a:ln>
+        </p:spPr>
+        <p:style>
+          <a:lnRef idx="2">
+            <a:schemeClr val="accent1">
+              <a:shade val="50000"/>
+            </a:schemeClr>
+          </a:lnRef>
+          <a:fillRef idx="1">
+            <a:schemeClr val="accent1"/>
+          </a:fillRef>
+          <a:effectRef idx="0">
+            <a:schemeClr val="accent1"/>
+          </a:effectRef>
+          <a:fontRef idx="minor">
+            <a:schemeClr val="lt1"/>
+          </a:fontRef>
+        </p:style>
+        <p:txBody>
+          <a:bodyPr rtlCol="0" anchor="ctr"/>
+          <a:lstStyle/>
+          <a:p>
+            <a:pPr algn="ctr"/>
+            <a:endParaRPr lang="zh-CN" altLang="en-US"/>
+          </a:p>
+        </p:txBody>
+      </p:sp>
+      <p:grpSp>
+        <p:nvGrpSpPr>
+          <p:cNvPr id="13" name="组合 12"/>
+          <p:cNvGrpSpPr/>
+          <p:nvPr/>
+        </p:nvGrpSpPr>
+        <p:grpSpPr>
+          <a:xfrm>
+            <a:off x="4258567" y="3212976"/>
+            <a:ext cx="3265761" cy="2747548"/>
+            <a:chOff x="4258567" y="3212976"/>
+            <a:chExt cx="3265761" cy="2747548"/>
+          </a:xfrm>
+        </p:grpSpPr>
+        <p:pic>
+          <p:nvPicPr>
+            <p:cNvPr id="3077" name="Picture 5"/>
+            <p:cNvPicPr>
+              <a:picLocks noChangeAspect="1" noChangeArrowheads="1"/>
+            </p:cNvPicPr>
+            <p:nvPr/>
+          </p:nvPicPr>
+          <p:blipFill>
+            <a:blip r:embed="rId3" cstate="print"/>
+            <a:srcRect/>
+            <a:stretch>
+              <a:fillRect/>
+            </a:stretch>
+          </p:blipFill>
+          <p:spPr bwMode="auto">
+            <a:xfrm>
+              <a:off x="4309369" y="3212976"/>
+              <a:ext cx="3206304" cy="2747548"/>
+            </a:xfrm>
+            <a:prstGeom prst="rect">
+              <a:avLst/>
+            </a:prstGeom>
+            <a:noFill/>
+            <a:ln w="9525">
+              <a:noFill/>
+              <a:miter lim="800000"/>
+              <a:headEnd/>
+              <a:tailEnd/>
+            </a:ln>
+          </p:spPr>
+        </p:pic>
+        <p:sp>
+          <p:nvSpPr>
+            <p:cNvPr id="7" name="五角星 6"/>
+            <p:cNvSpPr/>
+            <p:nvPr/>
+          </p:nvSpPr>
+          <p:spPr>
+            <a:xfrm>
+              <a:off x="4258567" y="5038577"/>
+              <a:ext cx="241425" cy="241425"/>
+            </a:xfrm>
+            <a:prstGeom prst="star5">
+              <a:avLst/>
+            </a:prstGeom>
+            <a:solidFill>
+              <a:srgbClr val="FF66FF"/>
+            </a:solidFill>
+            <a:ln>
+              <a:noFill/>
+            </a:ln>
+          </p:spPr>
+          <p:style>
+            <a:lnRef idx="2">
+              <a:schemeClr val="accent1">
+                <a:shade val="50000"/>
+              </a:schemeClr>
+            </a:lnRef>
+            <a:fillRef idx="1">
+              <a:schemeClr val="accent1"/>
+            </a:fillRef>
+            <a:effectRef idx="0">
+              <a:schemeClr val="accent1"/>
+            </a:effectRef>
+            <a:fontRef idx="minor">
+              <a:schemeClr val="lt1"/>
+            </a:fontRef>
+          </p:style>
+          <p:txBody>
+            <a:bodyPr rtlCol="0" anchor="ctr"/>
+            <a:lstStyle/>
+            <a:p>
+              <a:pPr algn="ctr"/>
+              <a:endParaRPr lang="zh-CN" altLang="en-US"/>
+            </a:p>
+          </p:txBody>
+        </p:sp>
+        <p:sp>
+          <p:nvSpPr>
+            <p:cNvPr id="12" name="矩形 11"/>
+            <p:cNvSpPr/>
+            <p:nvPr/>
+          </p:nvSpPr>
+          <p:spPr>
+            <a:xfrm>
+              <a:off x="4283968" y="3212976"/>
+              <a:ext cx="3240360" cy="2736304"/>
+            </a:xfrm>
+            <a:prstGeom prst="rect">
+              <a:avLst/>
+            </a:prstGeom>
+            <a:noFill/>
+            <a:ln w="38100">
+              <a:solidFill>
+                <a:schemeClr val="tx2">
+                  <a:lumMod val="75000"/>
+                </a:schemeClr>
+              </a:solidFill>
+            </a:ln>
+          </p:spPr>
+          <p:style>
+            <a:lnRef idx="2">
+              <a:schemeClr val="accent1">
+                <a:shade val="50000"/>
+              </a:schemeClr>
+            </a:lnRef>
+            <a:fillRef idx="1">
+              <a:schemeClr val="accent1"/>
+            </a:fillRef>
+            <a:effectRef idx="0">
+              <a:schemeClr val="accent1"/>
+            </a:effectRef>
+            <a:fontRef idx="minor">
+              <a:schemeClr val="lt1"/>
+            </a:fontRef>
+          </p:style>
+          <p:txBody>
+            <a:bodyPr rtlCol="0" anchor="ctr"/>
+            <a:lstStyle/>
+            <a:p>
+              <a:pPr algn="ctr"/>
+              <a:endParaRPr lang="zh-CN" altLang="en-US"/>
+            </a:p>
+          </p:txBody>
+        </p:sp>
+      </p:grpSp>
+    </p:spTree>
+  </p:cSld>
+  <p:clrMapOvr>
+    <a:masterClrMapping/>
+  </p:clrMapOvr>
 </p:sld>
 </file>
 
